--- a/eece2160/sum16/lectures/eece.2160sum16_lec3.pptx
+++ b/eece2160/sum16/lectures/eece.2160sum16_lec3.pptx
@@ -574,7 +574,7 @@
             <a:tailEnd/>
           </a:ln>
           <a:extLst>
-            <a:ext uri="{909E8E84-426E-40dd-AFC4-6F175D3DCCD1}">
+            <a:ext uri="{909E8E84-426E-40DD-AFC4-6F175D3DCCD1}">
               <a14:hiddenFill xmlns:a14="http://schemas.microsoft.com/office/drawing/2010/main">
                 <a:solidFill>
                   <a:srgbClr val="FFFFFF"/>
@@ -582,7 +582,7 @@
               </a14:hiddenFill>
             </a:ext>
             <a:ext uri="{FAA26D3D-D897-4be2-8F04-BA451C77F1D7}">
-              <ma14:placeholderFlag xmlns:ma14="http://schemas.microsoft.com/office/mac/drawingml/2011/main" val="1"/>
+              <ma14:placeholderFlag xmlns:ma14="http://schemas.microsoft.com/office/mac/drawingml/2011/main" xmlns="" val="1"/>
             </a:ext>
           </a:extLst>
         </p:spPr>
@@ -921,14 +921,14 @@
           <a:noFill/>
           <a:ln/>
           <a:extLst>
-            <a:ext uri="{909E8E84-426E-40dd-AFC4-6F175D3DCCD1}">
+            <a:ext uri="{909E8E84-426E-40DD-AFC4-6F175D3DCCD1}">
               <a14:hiddenFill xmlns:a14="http://schemas.microsoft.com/office/drawing/2010/main">
                 <a:solidFill>
                   <a:srgbClr val="FFFFFF"/>
                 </a:solidFill>
               </a14:hiddenFill>
             </a:ext>
-            <a:ext uri="{91240B29-F687-4f45-9708-019B960494DF}">
+            <a:ext uri="{91240B29-F687-4F45-9708-019B960494DF}">
               <a14:hiddenLine xmlns:a14="http://schemas.microsoft.com/office/drawing/2010/main" w="9525">
                 <a:solidFill>
                   <a:srgbClr val="000000"/>
@@ -1096,14 +1096,14 @@
           <a:noFill/>
           <a:ln/>
           <a:extLst>
-            <a:ext uri="{909E8E84-426E-40dd-AFC4-6F175D3DCCD1}">
+            <a:ext uri="{909E8E84-426E-40DD-AFC4-6F175D3DCCD1}">
               <a14:hiddenFill xmlns:a14="http://schemas.microsoft.com/office/drawing/2010/main">
                 <a:solidFill>
                   <a:srgbClr val="FFFFFF"/>
                 </a:solidFill>
               </a14:hiddenFill>
             </a:ext>
-            <a:ext uri="{91240B29-F687-4f45-9708-019B960494DF}">
+            <a:ext uri="{91240B29-F687-4F45-9708-019B960494DF}">
               <a14:hiddenLine xmlns:a14="http://schemas.microsoft.com/office/drawing/2010/main" w="9525">
                 <a:solidFill>
                   <a:srgbClr val="000000"/>
@@ -1114,7 +1114,7 @@
               </a14:hiddenLine>
             </a:ext>
             <a:ext uri="{FAA26D3D-D897-4be2-8F04-BA451C77F1D7}">
-              <ma14:placeholderFlag xmlns:ma14="http://schemas.microsoft.com/office/mac/drawingml/2011/main" val="1"/>
+              <ma14:placeholderFlag xmlns:ma14="http://schemas.microsoft.com/office/mac/drawingml/2011/main" xmlns="" val="1"/>
             </a:ext>
           </a:extLst>
         </p:spPr>
@@ -1216,7 +1216,7 @@
             <a:tailEnd/>
           </a:ln>
           <a:extLst>
-            <a:ext uri="{909E8E84-426E-40dd-AFC4-6F175D3DCCD1}">
+            <a:ext uri="{909E8E84-426E-40DD-AFC4-6F175D3DCCD1}">
               <a14:hiddenFill xmlns:a14="http://schemas.microsoft.com/office/drawing/2010/main">
                 <a:solidFill>
                   <a:srgbClr val="FFFFFF"/>
@@ -1259,7 +1259,7 @@
             <a:tailEnd/>
           </a:ln>
           <a:extLst>
-            <a:ext uri="{909E8E84-426E-40dd-AFC4-6F175D3DCCD1}">
+            <a:ext uri="{909E8E84-426E-40DD-AFC4-6F175D3DCCD1}">
               <a14:hiddenFill xmlns:a14="http://schemas.microsoft.com/office/drawing/2010/main">
                 <a:noFill/>
               </a14:hiddenFill>
@@ -1359,7 +1359,7 @@
           <a:p>
             <a:fld id="{09B01344-EA60-3946-8138-31ED7D83D007}" type="datetime1">
               <a:rPr lang="en-US" smtClean="0"/>
-              <a:t>5/18/16</a:t>
+              <a:t>5/19/2016</a:t>
             </a:fld>
             <a:endParaRPr lang="en-US"/>
           </a:p>
@@ -1556,7 +1556,7 @@
           <a:p>
             <a:fld id="{FF037E63-5DF9-2046-A8E0-B215A9D08C99}" type="datetime1">
               <a:rPr lang="en-US" smtClean="0"/>
-              <a:t>5/18/16</a:t>
+              <a:t>5/19/2016</a:t>
             </a:fld>
             <a:endParaRPr lang="en-US"/>
           </a:p>
@@ -1762,7 +1762,7 @@
           <a:p>
             <a:fld id="{48132C48-08E3-8547-8408-0C1FC4803BE4}" type="datetime1">
               <a:rPr lang="en-US" smtClean="0"/>
-              <a:t>5/18/16</a:t>
+              <a:t>5/19/2016</a:t>
             </a:fld>
             <a:endParaRPr lang="en-US"/>
           </a:p>
@@ -2025,7 +2025,7 @@
           <a:p>
             <a:fld id="{DDFD697B-09B7-B84B-8D2A-0C489509D142}" type="datetime1">
               <a:rPr lang="en-US" smtClean="0"/>
-              <a:t>5/18/16</a:t>
+              <a:t>5/19/2016</a:t>
             </a:fld>
             <a:endParaRPr lang="en-US"/>
           </a:p>
@@ -2288,7 +2288,7 @@
           <a:p>
             <a:fld id="{D5C9D4A4-9570-D244-988C-FD4CBCD8A0BE}" type="datetime1">
               <a:rPr lang="en-US" smtClean="0"/>
-              <a:t>5/18/16</a:t>
+              <a:t>5/19/2016</a:t>
             </a:fld>
             <a:endParaRPr lang="en-US"/>
           </a:p>
@@ -2465,7 +2465,7 @@
           <a:p>
             <a:fld id="{6D2EAF7D-4747-234C-98AB-414EEC8E9C91}" type="datetime1">
               <a:rPr lang="en-US" smtClean="0"/>
-              <a:t>5/18/16</a:t>
+              <a:t>5/19/2016</a:t>
             </a:fld>
             <a:endParaRPr lang="en-US"/>
           </a:p>
@@ -2846,7 +2846,7 @@
           <a:p>
             <a:fld id="{20C1C5FD-1574-3F4C-9F7A-AB95A4AA4F77}" type="datetime1">
               <a:rPr lang="en-US" smtClean="0"/>
-              <a:t>5/18/16</a:t>
+              <a:t>5/19/2016</a:t>
             </a:fld>
             <a:endParaRPr lang="en-US"/>
           </a:p>
@@ -3048,7 +3048,7 @@
           <a:p>
             <a:fld id="{27A81F0F-276F-C347-B61F-0B66A20D92EB}" type="datetime1">
               <a:rPr lang="en-US" smtClean="0"/>
-              <a:t>5/18/16</a:t>
+              <a:t>5/19/2016</a:t>
             </a:fld>
             <a:endParaRPr lang="en-US"/>
           </a:p>
@@ -3266,7 +3266,7 @@
           <a:p>
             <a:fld id="{2AABDDF5-8CFA-304D-9E27-59668ECCCA6F}" type="datetime1">
               <a:rPr lang="en-US" smtClean="0"/>
-              <a:t>5/18/16</a:t>
+              <a:t>5/19/2016</a:t>
             </a:fld>
             <a:endParaRPr lang="en-US"/>
           </a:p>
@@ -3580,7 +3580,7 @@
           <a:p>
             <a:fld id="{4467DC7D-8886-5744-AD8C-DAD1D0E51E63}" type="datetime1">
               <a:rPr lang="en-US" smtClean="0"/>
-              <a:t>5/18/16</a:t>
+              <a:t>5/19/2016</a:t>
             </a:fld>
             <a:endParaRPr lang="en-US"/>
           </a:p>
@@ -4033,7 +4033,7 @@
           <a:p>
             <a:fld id="{883B25B8-31B7-C94C-9B57-2D9490F825DE}" type="datetime1">
               <a:rPr lang="en-US" smtClean="0"/>
-              <a:t>5/18/16</a:t>
+              <a:t>5/19/2016</a:t>
             </a:fld>
             <a:endParaRPr lang="en-US"/>
           </a:p>
@@ -4177,7 +4177,7 @@
           <a:p>
             <a:fld id="{CF52C48B-16BA-DC41-881D-A965E9654AEF}" type="datetime1">
               <a:rPr lang="en-US" smtClean="0"/>
-              <a:t>5/18/16</a:t>
+              <a:t>5/19/2016</a:t>
             </a:fld>
             <a:endParaRPr lang="en-US"/>
           </a:p>
@@ -4298,7 +4298,7 @@
           <a:p>
             <a:fld id="{C1D97540-D563-A247-A319-9C853EB8E0EC}" type="datetime1">
               <a:rPr lang="en-US" smtClean="0"/>
-              <a:t>5/18/16</a:t>
+              <a:t>5/19/2016</a:t>
             </a:fld>
             <a:endParaRPr lang="en-US"/>
           </a:p>
@@ -4601,7 +4601,7 @@
           <a:p>
             <a:fld id="{E996D8A7-8CF5-5346-8698-F5D655EE2C05}" type="datetime1">
               <a:rPr lang="en-US" smtClean="0"/>
-              <a:t>5/18/16</a:t>
+              <a:t>5/19/2016</a:t>
             </a:fld>
             <a:endParaRPr lang="en-US"/>
           </a:p>
@@ -4881,7 +4881,7 @@
           <a:p>
             <a:fld id="{E522BD4D-7FF3-A24A-BB39-BBD6076F136E}" type="datetime1">
               <a:rPr lang="en-US" smtClean="0"/>
-              <a:t>5/18/16</a:t>
+              <a:t>5/19/2016</a:t>
             </a:fld>
             <a:endParaRPr lang="en-US"/>
           </a:p>
@@ -5010,14 +5010,14 @@
             <a:noFill/>
           </a:ln>
           <a:extLst>
-            <a:ext uri="{909E8E84-426E-40dd-AFC4-6F175D3DCCD1}">
+            <a:ext uri="{909E8E84-426E-40DD-AFC4-6F175D3DCCD1}">
               <a14:hiddenFill xmlns:a14="http://schemas.microsoft.com/office/drawing/2010/main">
                 <a:solidFill>
                   <a:srgbClr val="FFFFFF"/>
                 </a:solidFill>
               </a14:hiddenFill>
             </a:ext>
-            <a:ext uri="{91240B29-F687-4f45-9708-019B960494DF}">
+            <a:ext uri="{91240B29-F687-4F45-9708-019B960494DF}">
               <a14:hiddenLine xmlns:a14="http://schemas.microsoft.com/office/drawing/2010/main" w="9525">
                 <a:solidFill>
                   <a:srgbClr val="000000"/>
@@ -5028,7 +5028,7 @@
               </a14:hiddenLine>
             </a:ext>
             <a:ext uri="{FAA26D3D-D897-4be2-8F04-BA451C77F1D7}">
-              <ma14:placeholderFlag xmlns:ma14="http://schemas.microsoft.com/office/mac/drawingml/2011/main" val="1"/>
+              <ma14:placeholderFlag xmlns:ma14="http://schemas.microsoft.com/office/mac/drawingml/2011/main" xmlns="" val="1"/>
             </a:ext>
           </a:extLst>
         </p:spPr>
@@ -5071,14 +5071,14 @@
             <a:noFill/>
           </a:ln>
           <a:extLst>
-            <a:ext uri="{909E8E84-426E-40dd-AFC4-6F175D3DCCD1}">
+            <a:ext uri="{909E8E84-426E-40DD-AFC4-6F175D3DCCD1}">
               <a14:hiddenFill xmlns:a14="http://schemas.microsoft.com/office/drawing/2010/main">
                 <a:solidFill>
                   <a:srgbClr val="FFFFFF"/>
                 </a:solidFill>
               </a14:hiddenFill>
             </a:ext>
-            <a:ext uri="{91240B29-F687-4f45-9708-019B960494DF}">
+            <a:ext uri="{91240B29-F687-4F45-9708-019B960494DF}">
               <a14:hiddenLine xmlns:a14="http://schemas.microsoft.com/office/drawing/2010/main" w="9525">
                 <a:solidFill>
                   <a:srgbClr val="000000"/>
@@ -5089,7 +5089,7 @@
               </a14:hiddenLine>
             </a:ext>
             <a:ext uri="{FAA26D3D-D897-4be2-8F04-BA451C77F1D7}">
-              <ma14:placeholderFlag xmlns:ma14="http://schemas.microsoft.com/office/mac/drawingml/2011/main" val="1"/>
+              <ma14:placeholderFlag xmlns:ma14="http://schemas.microsoft.com/office/mac/drawingml/2011/main" xmlns="" val="1"/>
             </a:ext>
           </a:extLst>
         </p:spPr>
@@ -5180,7 +5180,7 @@
           <a:p>
             <a:fld id="{C1BDBD51-1EE3-6F42-8998-3E0DFBB1A986}" type="datetime1">
               <a:rPr lang="en-US" smtClean="0"/>
-              <a:t>5/18/16</a:t>
+              <a:t>5/19/2016</a:t>
             </a:fld>
             <a:endParaRPr lang="en-US"/>
           </a:p>
@@ -5354,7 +5354,7 @@
             <a:tailEnd/>
           </a:ln>
           <a:extLst>
-            <a:ext uri="{909E8E84-426E-40dd-AFC4-6F175D3DCCD1}">
+            <a:ext uri="{909E8E84-426E-40DD-AFC4-6F175D3DCCD1}">
               <a14:hiddenFill xmlns:a14="http://schemas.microsoft.com/office/drawing/2010/main">
                 <a:solidFill>
                   <a:srgbClr val="FFFFFF"/>
@@ -5397,7 +5397,7 @@
             <a:tailEnd/>
           </a:ln>
           <a:extLst>
-            <a:ext uri="{909E8E84-426E-40dd-AFC4-6F175D3DCCD1}">
+            <a:ext uri="{909E8E84-426E-40DD-AFC4-6F175D3DCCD1}">
               <a14:hiddenFill xmlns:a14="http://schemas.microsoft.com/office/drawing/2010/main">
                 <a:noFill/>
               </a14:hiddenFill>
@@ -5435,7 +5435,7 @@
   <p:timing>
     <p:tnLst>
       <p:par>
-        <p:cTn xmlns:p14="http://schemas.microsoft.com/office/powerpoint/2010/main" id="1" dur="indefinite" restart="never" nodeType="tmRoot"/>
+        <p:cTn id="1" dur="indefinite" restart="never" nodeType="tmRoot"/>
       </p:par>
     </p:tnLst>
   </p:timing>
@@ -5984,19 +5984,7 @@
               <a:rPr lang="en-US" dirty="0" smtClean="0">
                 <a:latin typeface="Arial" charset="0"/>
               </a:rPr>
-              <a:t>Geiger &amp; </a:t>
-            </a:r>
-            <a:r>
-              <a:rPr lang="en-US" dirty="0" err="1" smtClean="0">
-                <a:latin typeface="Arial" charset="0"/>
-              </a:rPr>
-              <a:t>Peilong</a:t>
-            </a:r>
-            <a:r>
-              <a:rPr lang="en-US" dirty="0" smtClean="0">
-                <a:latin typeface="Arial" charset="0"/>
-              </a:rPr>
-              <a:t> Li</a:t>
+              <a:t>Geiger</a:t>
             </a:r>
             <a:endParaRPr lang="en-US" dirty="0">
               <a:latin typeface="Arial" charset="0"/>
@@ -6014,7 +6002,7 @@
               <a:rPr lang="en-US" dirty="0" smtClean="0">
                 <a:latin typeface="Arial" charset="0"/>
               </a:rPr>
-              <a:t>Spring 2016</a:t>
+              <a:t>Summer 2016</a:t>
             </a:r>
             <a:endParaRPr lang="en-US" dirty="0">
               <a:latin typeface="Arial" charset="0"/>
@@ -6047,8 +6035,23 @@
                 </a:solidFill>
                 <a:latin typeface="Arial" charset="0"/>
               </a:rPr>
-              <a:t>Lecture 7:</a:t>
-            </a:r>
+              <a:t>Lecture </a:t>
+            </a:r>
+            <a:r>
+              <a:rPr lang="en-US" b="1" dirty="0" smtClean="0">
+                <a:solidFill>
+                  <a:srgbClr val="0000FF"/>
+                </a:solidFill>
+                <a:latin typeface="Arial" charset="0"/>
+              </a:rPr>
+              <a:t>3:</a:t>
+            </a:r>
+            <a:endParaRPr lang="en-US" b="1" dirty="0">
+              <a:solidFill>
+                <a:srgbClr val="0000FF"/>
+              </a:solidFill>
+              <a:latin typeface="Arial" charset="0"/>
+            </a:endParaRPr>
           </a:p>
           <a:p>
             <a:pPr algn="ctr" eaLnBrk="1" hangingPunct="1">
@@ -6062,8 +6065,32 @@
               <a:rPr lang="en-US" dirty="0">
                 <a:latin typeface="Arial" charset="0"/>
               </a:rPr>
-              <a:t>If statements</a:t>
-            </a:r>
+              <a:t>If </a:t>
+            </a:r>
+            <a:r>
+              <a:rPr lang="en-US" dirty="0" smtClean="0">
+                <a:latin typeface="Arial" charset="0"/>
+              </a:rPr>
+              <a:t>statements</a:t>
+            </a:r>
+          </a:p>
+          <a:p>
+            <a:pPr algn="ctr" eaLnBrk="1" hangingPunct="1">
+              <a:lnSpc>
+                <a:spcPct val="90000"/>
+              </a:lnSpc>
+              <a:buFont typeface="Wingdings" charset="0"/>
+              <a:buNone/>
+            </a:pPr>
+            <a:r>
+              <a:rPr lang="en-US" dirty="0" smtClean="0">
+                <a:latin typeface="Arial" charset="0"/>
+              </a:rPr>
+              <a:t>PE1: Flowcharts &amp; debugging</a:t>
+            </a:r>
+            <a:endParaRPr lang="en-US" dirty="0">
+              <a:latin typeface="Arial" charset="0"/>
+            </a:endParaRPr>
           </a:p>
         </p:txBody>
       </p:sp>
@@ -6075,7 +6102,7 @@
   <p:timing>
     <p:tnLst>
       <p:par>
-        <p:cTn xmlns:p14="http://schemas.microsoft.com/office/powerpoint/2010/main" id="1" dur="indefinite" restart="never" nodeType="tmRoot"/>
+        <p:cTn id="1" dur="indefinite" restart="never" nodeType="tmRoot"/>
       </p:par>
     </p:tnLst>
   </p:timing>
@@ -6551,7 +6578,7 @@
               <a:rPr lang="en-US" smtClean="0">
                 <a:latin typeface="Garamond" charset="0"/>
               </a:rPr>
-              <a:t>5/18/16</a:t>
+              <a:t>5/19/2016</a:t>
             </a:fld>
             <a:endParaRPr lang="en-US">
               <a:latin typeface="Garamond" charset="0"/>
@@ -6737,7 +6764,7 @@
   <p:timing>
     <p:tnLst>
       <p:par>
-        <p:cTn xmlns:p14="http://schemas.microsoft.com/office/powerpoint/2010/main" id="1" dur="indefinite" restart="never" nodeType="tmRoot"/>
+        <p:cTn id="1" dur="indefinite" restart="never" nodeType="tmRoot"/>
       </p:par>
     </p:tnLst>
   </p:timing>
@@ -7065,7 +7092,7 @@
               <a:rPr lang="en-US" smtClean="0">
                 <a:latin typeface="Garamond" charset="0"/>
               </a:rPr>
-              <a:t>5/18/16</a:t>
+              <a:t>5/19/2016</a:t>
             </a:fld>
             <a:endParaRPr lang="en-US">
               <a:latin typeface="Garamond" charset="0"/>
@@ -7251,7 +7278,7 @@
   <p:timing>
     <p:tnLst>
       <p:par>
-        <p:cTn xmlns:p14="http://schemas.microsoft.com/office/powerpoint/2010/main" id="1" dur="indefinite" restart="never" nodeType="tmRoot"/>
+        <p:cTn id="1" dur="indefinite" restart="never" nodeType="tmRoot"/>
       </p:par>
     </p:tnLst>
   </p:timing>
@@ -7325,14 +7352,14 @@
             <a:noFill/>
           </a:ln>
           <a:extLst>
-            <a:ext uri="{909E8E84-426E-40dd-AFC4-6F175D3DCCD1}">
+            <a:ext uri="{909E8E84-426E-40DD-AFC4-6F175D3DCCD1}">
               <a14:hiddenFill xmlns:a14="http://schemas.microsoft.com/office/drawing/2010/main">
                 <a:solidFill>
                   <a:srgbClr val="FFFFFF"/>
                 </a:solidFill>
               </a14:hiddenFill>
             </a:ext>
-            <a:ext uri="{91240B29-F687-4f45-9708-019B960494DF}">
+            <a:ext uri="{91240B29-F687-4F45-9708-019B960494DF}">
               <a14:hiddenLine xmlns:a14="http://schemas.microsoft.com/office/drawing/2010/main" w="9525">
                 <a:solidFill>
                   <a:srgbClr val="000000"/>
@@ -7727,7 +7754,7 @@
               <a:rPr lang="en-US" smtClean="0">
                 <a:latin typeface="Garamond" charset="0"/>
               </a:rPr>
-              <a:t>5/18/16</a:t>
+              <a:t>5/19/2016</a:t>
             </a:fld>
             <a:endParaRPr lang="en-US">
               <a:latin typeface="Garamond" charset="0"/>
@@ -7913,7 +7940,7 @@
   <p:timing>
     <p:tnLst>
       <p:par>
-        <p:cTn xmlns:p14="http://schemas.microsoft.com/office/powerpoint/2010/main" id="1" dur="indefinite" restart="never" nodeType="tmRoot"/>
+        <p:cTn id="1" dur="indefinite" restart="never" nodeType="tmRoot"/>
       </p:par>
     </p:tnLst>
   </p:timing>
@@ -7987,14 +8014,14 @@
             <a:noFill/>
           </a:ln>
           <a:extLst>
-            <a:ext uri="{909E8E84-426E-40dd-AFC4-6F175D3DCCD1}">
+            <a:ext uri="{909E8E84-426E-40DD-AFC4-6F175D3DCCD1}">
               <a14:hiddenFill xmlns:a14="http://schemas.microsoft.com/office/drawing/2010/main">
                 <a:solidFill>
                   <a:srgbClr val="FFFFFF"/>
                 </a:solidFill>
               </a14:hiddenFill>
             </a:ext>
-            <a:ext uri="{91240B29-F687-4f45-9708-019B960494DF}">
+            <a:ext uri="{91240B29-F687-4F45-9708-019B960494DF}">
               <a14:hiddenLine xmlns:a14="http://schemas.microsoft.com/office/drawing/2010/main" w="9525">
                 <a:solidFill>
                   <a:srgbClr val="000000"/>
@@ -8253,14 +8280,14 @@
             <a:noFill/>
           </a:ln>
           <a:extLst>
-            <a:ext uri="{909E8E84-426E-40dd-AFC4-6F175D3DCCD1}">
+            <a:ext uri="{909E8E84-426E-40DD-AFC4-6F175D3DCCD1}">
               <a14:hiddenFill xmlns:a14="http://schemas.microsoft.com/office/drawing/2010/main">
                 <a:solidFill>
                   <a:srgbClr val="FFFFFF"/>
                 </a:solidFill>
               </a14:hiddenFill>
             </a:ext>
-            <a:ext uri="{91240B29-F687-4f45-9708-019B960494DF}">
+            <a:ext uri="{91240B29-F687-4F45-9708-019B960494DF}">
               <a14:hiddenLine xmlns:a14="http://schemas.microsoft.com/office/drawing/2010/main" w="9525">
                 <a:solidFill>
                   <a:srgbClr val="000000"/>
@@ -8413,7 +8440,7 @@
             <a:tailEnd type="triangle" w="med" len="med"/>
           </a:ln>
           <a:extLst>
-            <a:ext uri="{909E8E84-426E-40dd-AFC4-6F175D3DCCD1}">
+            <a:ext uri="{909E8E84-426E-40DD-AFC4-6F175D3DCCD1}">
               <a14:hiddenFill xmlns:a14="http://schemas.microsoft.com/office/drawing/2010/main">
                 <a:noFill/>
               </a14:hiddenFill>
@@ -8563,7 +8590,7 @@
               <a:rPr lang="en-US" smtClean="0">
                 <a:latin typeface="Garamond" charset="0"/>
               </a:rPr>
-              <a:t>5/18/16</a:t>
+              <a:t>5/19/2016</a:t>
             </a:fld>
             <a:endParaRPr lang="en-US">
               <a:latin typeface="Garamond" charset="0"/>
@@ -8749,7 +8776,7 @@
   <p:timing>
     <p:tnLst>
       <p:par>
-        <p:cTn xmlns:p14="http://schemas.microsoft.com/office/powerpoint/2010/main" id="1" dur="indefinite" restart="never" nodeType="tmRoot"/>
+        <p:cTn id="1" dur="indefinite" restart="never" nodeType="tmRoot"/>
       </p:par>
     </p:tnLst>
   </p:timing>
@@ -8823,14 +8850,14 @@
             <a:noFill/>
           </a:ln>
           <a:extLst>
-            <a:ext uri="{909E8E84-426E-40dd-AFC4-6F175D3DCCD1}">
+            <a:ext uri="{909E8E84-426E-40DD-AFC4-6F175D3DCCD1}">
               <a14:hiddenFill xmlns:a14="http://schemas.microsoft.com/office/drawing/2010/main">
                 <a:solidFill>
                   <a:srgbClr val="FFFFFF"/>
                 </a:solidFill>
               </a14:hiddenFill>
             </a:ext>
-            <a:ext uri="{91240B29-F687-4f45-9708-019B960494DF}">
+            <a:ext uri="{91240B29-F687-4F45-9708-019B960494DF}">
               <a14:hiddenLine xmlns:a14="http://schemas.microsoft.com/office/drawing/2010/main" w="9525">
                 <a:solidFill>
                   <a:srgbClr val="000000"/>
@@ -9316,7 +9343,7 @@
               <a:rPr lang="en-US" smtClean="0">
                 <a:latin typeface="Garamond" charset="0"/>
               </a:rPr>
-              <a:t>5/18/16</a:t>
+              <a:t>5/19/2016</a:t>
             </a:fld>
             <a:endParaRPr lang="en-US">
               <a:latin typeface="Garamond" charset="0"/>
@@ -9502,7 +9529,7 @@
   <p:timing>
     <p:tnLst>
       <p:par>
-        <p:cTn xmlns:p14="http://schemas.microsoft.com/office/powerpoint/2010/main" id="1" dur="indefinite" restart="never" nodeType="tmRoot"/>
+        <p:cTn id="1" dur="indefinite" restart="never" nodeType="tmRoot"/>
       </p:par>
     </p:tnLst>
   </p:timing>
@@ -10026,7 +10053,7 @@
               <a:rPr lang="en-US" smtClean="0">
                 <a:latin typeface="Garamond" charset="0"/>
               </a:rPr>
-              <a:t>5/18/16</a:t>
+              <a:t>5/19/2016</a:t>
             </a:fld>
             <a:endParaRPr lang="en-US">
               <a:latin typeface="Garamond" charset="0"/>
@@ -10212,7 +10239,7 @@
   <p:timing>
     <p:tnLst>
       <p:par>
-        <p:cTn xmlns:p14="http://schemas.microsoft.com/office/powerpoint/2010/main" id="1" dur="indefinite" restart="never" nodeType="tmRoot"/>
+        <p:cTn id="1" dur="indefinite" restart="never" nodeType="tmRoot"/>
       </p:par>
     </p:tnLst>
   </p:timing>
@@ -10874,7 +10901,7 @@
               <a:rPr lang="en-US" smtClean="0">
                 <a:latin typeface="Garamond" charset="0"/>
               </a:rPr>
-              <a:t>5/18/16</a:t>
+              <a:t>5/19/2016</a:t>
             </a:fld>
             <a:endParaRPr lang="en-US">
               <a:latin typeface="Garamond" charset="0"/>
@@ -11060,7 +11087,7 @@
   <p:timing>
     <p:tnLst>
       <p:par>
-        <p:cTn xmlns:p14="http://schemas.microsoft.com/office/powerpoint/2010/main" id="1" dur="indefinite" restart="never" nodeType="tmRoot"/>
+        <p:cTn id="1" dur="indefinite" restart="never" nodeType="tmRoot"/>
       </p:par>
     </p:tnLst>
   </p:timing>
@@ -11134,14 +11161,14 @@
             <a:noFill/>
           </a:ln>
           <a:extLst>
-            <a:ext uri="{909E8E84-426E-40dd-AFC4-6F175D3DCCD1}">
+            <a:ext uri="{909E8E84-426E-40DD-AFC4-6F175D3DCCD1}">
               <a14:hiddenFill xmlns:a14="http://schemas.microsoft.com/office/drawing/2010/main">
                 <a:solidFill>
                   <a:srgbClr val="FFFFFF"/>
                 </a:solidFill>
               </a14:hiddenFill>
             </a:ext>
-            <a:ext uri="{91240B29-F687-4f45-9708-019B960494DF}">
+            <a:ext uri="{91240B29-F687-4F45-9708-019B960494DF}">
               <a14:hiddenLine xmlns:a14="http://schemas.microsoft.com/office/drawing/2010/main" w="9525">
                 <a:solidFill>
                   <a:srgbClr val="000000"/>
@@ -11558,7 +11585,7 @@
               <a:rPr lang="en-US" smtClean="0">
                 <a:latin typeface="Garamond" charset="0"/>
               </a:rPr>
-              <a:t>5/18/16</a:t>
+              <a:t>5/19/2016</a:t>
             </a:fld>
             <a:endParaRPr lang="en-US">
               <a:latin typeface="Garamond" charset="0"/>
@@ -11749,7 +11776,7 @@
   <p:timing>
     <p:tnLst>
       <p:par>
-        <p:cTn xmlns:p14="http://schemas.microsoft.com/office/powerpoint/2010/main" id="1" dur="indefinite" restart="never" nodeType="tmRoot"/>
+        <p:cTn id="1" dur="indefinite" restart="never" nodeType="tmRoot"/>
       </p:par>
     </p:tnLst>
   </p:timing>
@@ -11823,14 +11850,14 @@
             <a:noFill/>
           </a:ln>
           <a:extLst>
-            <a:ext uri="{909E8E84-426E-40dd-AFC4-6F175D3DCCD1}">
+            <a:ext uri="{909E8E84-426E-40DD-AFC4-6F175D3DCCD1}">
               <a14:hiddenFill xmlns:a14="http://schemas.microsoft.com/office/drawing/2010/main">
                 <a:solidFill>
                   <a:srgbClr val="FFFFFF"/>
                 </a:solidFill>
               </a14:hiddenFill>
             </a:ext>
-            <a:ext uri="{91240B29-F687-4f45-9708-019B960494DF}">
+            <a:ext uri="{91240B29-F687-4F45-9708-019B960494DF}">
               <a14:hiddenLine xmlns:a14="http://schemas.microsoft.com/office/drawing/2010/main" w="9525">
                 <a:solidFill>
                   <a:srgbClr val="000000"/>
@@ -12192,7 +12219,7 @@
               <a:rPr lang="en-US" smtClean="0">
                 <a:latin typeface="Garamond" charset="0"/>
               </a:rPr>
-              <a:t>5/18/16</a:t>
+              <a:t>5/19/2016</a:t>
             </a:fld>
             <a:endParaRPr lang="en-US">
               <a:latin typeface="Garamond" charset="0"/>
@@ -12383,7 +12410,7 @@
   <p:timing>
     <p:tnLst>
       <p:par>
-        <p:cTn xmlns:p14="http://schemas.microsoft.com/office/powerpoint/2010/main" id="1" dur="indefinite" restart="never" nodeType="tmRoot"/>
+        <p:cTn id="1" dur="indefinite" restart="never" nodeType="tmRoot"/>
       </p:par>
     </p:tnLst>
   </p:timing>
@@ -12457,14 +12484,14 @@
             <a:noFill/>
           </a:ln>
           <a:extLst>
-            <a:ext uri="{909E8E84-426E-40dd-AFC4-6F175D3DCCD1}">
+            <a:ext uri="{909E8E84-426E-40DD-AFC4-6F175D3DCCD1}">
               <a14:hiddenFill xmlns:a14="http://schemas.microsoft.com/office/drawing/2010/main">
                 <a:solidFill>
                   <a:srgbClr val="FFFFFF"/>
                 </a:solidFill>
               </a14:hiddenFill>
             </a:ext>
-            <a:ext uri="{91240B29-F687-4f45-9708-019B960494DF}">
+            <a:ext uri="{91240B29-F687-4F45-9708-019B960494DF}">
               <a14:hiddenLine xmlns:a14="http://schemas.microsoft.com/office/drawing/2010/main" w="9525">
                 <a:solidFill>
                   <a:srgbClr val="000000"/>
@@ -12874,7 +12901,7 @@
               <a:rPr lang="en-US" smtClean="0">
                 <a:latin typeface="Garamond" charset="0"/>
               </a:rPr>
-              <a:t>5/18/16</a:t>
+              <a:t>5/19/2016</a:t>
             </a:fld>
             <a:endParaRPr lang="en-US">
               <a:latin typeface="Garamond" charset="0"/>
@@ -13065,7 +13092,7 @@
   <p:timing>
     <p:tnLst>
       <p:par>
-        <p:cTn xmlns:p14="http://schemas.microsoft.com/office/powerpoint/2010/main" id="1" dur="indefinite" restart="never" nodeType="tmRoot"/>
+        <p:cTn id="1" dur="indefinite" restart="never" nodeType="tmRoot"/>
       </p:par>
     </p:tnLst>
   </p:timing>
@@ -13130,7 +13157,7 @@
         </p:spPr>
         <p:txBody>
           <a:bodyPr>
-            <a:normAutofit fontScale="92500" lnSpcReduction="20000"/>
+            <a:normAutofit fontScale="85000" lnSpcReduction="20000"/>
           </a:bodyPr>
           <a:lstStyle/>
           <a:p>
@@ -13143,13 +13170,8 @@
             <a:pPr lvl="1"/>
             <a:r>
               <a:rPr lang="en-US" dirty="0" smtClean="0"/>
-              <a:t>Program </a:t>
-            </a:r>
-            <a:r>
-              <a:rPr lang="en-US" dirty="0" smtClean="0"/>
-              <a:t>1 due today</a:t>
-            </a:r>
-            <a:endParaRPr lang="en-US" dirty="0" smtClean="0"/>
+              <a:t>Program 1 due today</a:t>
+            </a:r>
           </a:p>
           <a:p>
             <a:pPr lvl="1"/>
@@ -13163,11 +13185,7 @@
             <a:pPr lvl="1"/>
             <a:r>
               <a:rPr lang="en-US" dirty="0" smtClean="0"/>
-              <a:t>Looking ahead: Exam </a:t>
-            </a:r>
-            <a:r>
-              <a:rPr lang="en-US" dirty="0" smtClean="0"/>
-              <a:t>1</a:t>
+              <a:t>Looking ahead: Exam 1</a:t>
             </a:r>
             <a:r>
               <a:rPr lang="en-US" dirty="0"/>
@@ -13177,17 +13195,12 @@
               <a:rPr lang="en-US" dirty="0" smtClean="0"/>
               <a:t>on Thursday, 5/26</a:t>
             </a:r>
-            <a:endParaRPr lang="en-US" dirty="0" smtClean="0"/>
           </a:p>
           <a:p>
             <a:pPr lvl="2"/>
             <a:r>
               <a:rPr lang="en-US" dirty="0" smtClean="0"/>
-              <a:t>Will </a:t>
-            </a:r>
-            <a:r>
-              <a:rPr lang="en-US" dirty="0" smtClean="0"/>
-              <a:t>be allowed one double-sided 8.5” x 11” note sheet</a:t>
+              <a:t>Will be allowed one double-sided 8.5” x 11” note sheet</a:t>
             </a:r>
           </a:p>
           <a:p>
@@ -13237,11 +13250,7 @@
           <a:p>
             <a:r>
               <a:rPr lang="en-US" dirty="0" smtClean="0"/>
-              <a:t>Today’s </a:t>
-            </a:r>
-            <a:r>
-              <a:rPr lang="en-US" dirty="0" smtClean="0"/>
-              <a:t>lecture</a:t>
+              <a:t>Today’s lecture</a:t>
             </a:r>
           </a:p>
           <a:p>
@@ -13254,6 +13263,14 @@
               <a:rPr lang="en-US" dirty="0" smtClean="0"/>
               <a:t>statements</a:t>
             </a:r>
+          </a:p>
+          <a:p>
+            <a:pPr lvl="1"/>
+            <a:r>
+              <a:rPr lang="en-US" smtClean="0"/>
+              <a:t>Switch statements</a:t>
+            </a:r>
+            <a:endParaRPr lang="en-US" dirty="0" smtClean="0"/>
           </a:p>
           <a:p>
             <a:pPr lvl="1"/>
@@ -13397,7 +13414,7 @@
           <a:p>
             <a:fld id="{DC2860CA-79D1-7C47-974F-AC5246D98994}" type="datetime1">
               <a:rPr lang="en-US" smtClean="0"/>
-              <a:t>5/18/16</a:t>
+              <a:t>5/19/2016</a:t>
             </a:fld>
             <a:endParaRPr lang="en-US"/>
           </a:p>
@@ -13573,7 +13590,7 @@
   <p:timing>
     <p:tnLst>
       <p:par>
-        <p:cTn xmlns:p14="http://schemas.microsoft.com/office/powerpoint/2010/main" id="1" dur="indefinite" restart="never" nodeType="tmRoot"/>
+        <p:cTn id="1" dur="indefinite" restart="never" nodeType="tmRoot"/>
       </p:par>
     </p:tnLst>
   </p:timing>
@@ -13647,14 +13664,14 @@
             <a:noFill/>
           </a:ln>
           <a:extLst>
-            <a:ext uri="{909E8E84-426E-40dd-AFC4-6F175D3DCCD1}">
+            <a:ext uri="{909E8E84-426E-40DD-AFC4-6F175D3DCCD1}">
               <a14:hiddenFill xmlns:a14="http://schemas.microsoft.com/office/drawing/2010/main">
                 <a:solidFill>
                   <a:srgbClr val="FFFFFF"/>
                 </a:solidFill>
               </a14:hiddenFill>
             </a:ext>
-            <a:ext uri="{91240B29-F687-4f45-9708-019B960494DF}">
+            <a:ext uri="{91240B29-F687-4F45-9708-019B960494DF}">
               <a14:hiddenLine xmlns:a14="http://schemas.microsoft.com/office/drawing/2010/main" w="9525">
                 <a:solidFill>
                   <a:srgbClr val="000000"/>
@@ -14061,7 +14078,7 @@
               <a:rPr lang="en-US" smtClean="0">
                 <a:latin typeface="Garamond" charset="0"/>
               </a:rPr>
-              <a:t>5/18/16</a:t>
+              <a:t>5/19/2016</a:t>
             </a:fld>
             <a:endParaRPr lang="en-US">
               <a:latin typeface="Garamond" charset="0"/>
@@ -14252,7 +14269,7 @@
   <p:timing>
     <p:tnLst>
       <p:par>
-        <p:cTn xmlns:p14="http://schemas.microsoft.com/office/powerpoint/2010/main" id="1" dur="indefinite" restart="never" nodeType="tmRoot"/>
+        <p:cTn id="1" dur="indefinite" restart="never" nodeType="tmRoot"/>
       </p:par>
     </p:tnLst>
   </p:timing>
@@ -14337,14 +14354,14 @@
             <a:noFill/>
           </a:ln>
           <a:extLst>
-            <a:ext uri="{909E8E84-426E-40dd-AFC4-6F175D3DCCD1}">
+            <a:ext uri="{909E8E84-426E-40DD-AFC4-6F175D3DCCD1}">
               <a14:hiddenFill xmlns:a14="http://schemas.microsoft.com/office/drawing/2010/main">
                 <a:solidFill>
                   <a:srgbClr val="FFFFFF"/>
                 </a:solidFill>
               </a14:hiddenFill>
             </a:ext>
-            <a:ext uri="{91240B29-F687-4f45-9708-019B960494DF}">
+            <a:ext uri="{91240B29-F687-4F45-9708-019B960494DF}">
               <a14:hiddenLine xmlns:a14="http://schemas.microsoft.com/office/drawing/2010/main" w="9525">
                 <a:solidFill>
                   <a:srgbClr val="000000"/>
@@ -14694,7 +14711,7 @@
               <a:rPr lang="en-US" smtClean="0">
                 <a:latin typeface="Garamond" charset="0"/>
               </a:rPr>
-              <a:t>5/18/16</a:t>
+              <a:t>5/19/2016</a:t>
             </a:fld>
             <a:endParaRPr lang="en-US">
               <a:latin typeface="Garamond" charset="0"/>
@@ -14885,7 +14902,7 @@
   <p:timing>
     <p:tnLst>
       <p:par>
-        <p:cTn xmlns:p14="http://schemas.microsoft.com/office/powerpoint/2010/main" id="1" dur="indefinite" restart="never" nodeType="tmRoot"/>
+        <p:cTn id="1" dur="indefinite" restart="never" nodeType="tmRoot"/>
       </p:par>
     </p:tnLst>
   </p:timing>
@@ -15401,7 +15418,7 @@
               <a:rPr lang="en-US" smtClean="0">
                 <a:latin typeface="Garamond" charset="0"/>
               </a:rPr>
-              <a:t>5/18/16</a:t>
+              <a:t>5/19/2016</a:t>
             </a:fld>
             <a:endParaRPr lang="en-US">
               <a:latin typeface="Garamond" charset="0"/>
@@ -15592,7 +15609,7 @@
   <p:timing>
     <p:tnLst>
       <p:par>
-        <p:cTn xmlns:p14="http://schemas.microsoft.com/office/powerpoint/2010/main" id="1" dur="indefinite" restart="never" nodeType="tmRoot"/>
+        <p:cTn id="1" dur="indefinite" restart="never" nodeType="tmRoot"/>
       </p:par>
     </p:tnLst>
   </p:timing>
@@ -15898,7 +15915,7 @@
               <a:rPr lang="en-US" smtClean="0">
                 <a:latin typeface="Garamond" charset="0"/>
               </a:rPr>
-              <a:t>5/18/16</a:t>
+              <a:t>5/19/2016</a:t>
             </a:fld>
             <a:endParaRPr lang="en-US">
               <a:latin typeface="Garamond" charset="0"/>
@@ -16089,7 +16106,7 @@
   <p:timing>
     <p:tnLst>
       <p:par>
-        <p:cTn xmlns:p14="http://schemas.microsoft.com/office/powerpoint/2010/main" id="1" dur="indefinite" restart="never" nodeType="tmRoot"/>
+        <p:cTn id="1" dur="indefinite" restart="never" nodeType="tmRoot"/>
       </p:par>
     </p:tnLst>
   </p:timing>
@@ -16973,7 +16990,7 @@
               <a:rPr lang="en-US" smtClean="0">
                 <a:latin typeface="Garamond" charset="0"/>
               </a:rPr>
-              <a:t>5/18/16</a:t>
+              <a:t>5/19/2016</a:t>
             </a:fld>
             <a:endParaRPr lang="en-US">
               <a:latin typeface="Garamond" charset="0"/>
@@ -17164,7 +17181,7 @@
   <p:timing>
     <p:tnLst>
       <p:par>
-        <p:cTn xmlns:p14="http://schemas.microsoft.com/office/powerpoint/2010/main" id="1" dur="indefinite" restart="never" nodeType="tmRoot"/>
+        <p:cTn id="1" dur="indefinite" restart="never" nodeType="tmRoot"/>
       </p:par>
     </p:tnLst>
   </p:timing>
@@ -17733,7 +17750,7 @@
               <a:rPr lang="en-US" smtClean="0">
                 <a:latin typeface="Garamond" charset="0"/>
               </a:rPr>
-              <a:t>5/18/16</a:t>
+              <a:t>5/19/2016</a:t>
             </a:fld>
             <a:endParaRPr lang="en-US">
               <a:latin typeface="Garamond" charset="0"/>
@@ -17924,7 +17941,7 @@
   <p:timing>
     <p:tnLst>
       <p:par>
-        <p:cTn xmlns:p14="http://schemas.microsoft.com/office/powerpoint/2010/main" id="1" dur="indefinite" restart="never" nodeType="tmRoot"/>
+        <p:cTn id="1" dur="indefinite" restart="never" nodeType="tmRoot"/>
       </p:par>
     </p:tnLst>
   </p:timing>
@@ -18149,7 +18166,7 @@
               <a:rPr lang="en-US" smtClean="0">
                 <a:latin typeface="Garamond" charset="0"/>
               </a:rPr>
-              <a:t>5/18/16</a:t>
+              <a:t>5/19/2016</a:t>
             </a:fld>
             <a:endParaRPr lang="en-US">
               <a:latin typeface="Garamond" charset="0"/>
@@ -18340,7 +18357,7 @@
   <p:timing>
     <p:tnLst>
       <p:par>
-        <p:cTn xmlns:p14="http://schemas.microsoft.com/office/powerpoint/2010/main" id="1" dur="indefinite" restart="never" nodeType="tmRoot"/>
+        <p:cTn id="1" dur="indefinite" restart="never" nodeType="tmRoot"/>
       </p:par>
     </p:tnLst>
   </p:timing>
@@ -18414,14 +18431,14 @@
             <a:noFill/>
           </a:ln>
           <a:extLst>
-            <a:ext uri="{909E8E84-426E-40dd-AFC4-6F175D3DCCD1}">
+            <a:ext uri="{909E8E84-426E-40DD-AFC4-6F175D3DCCD1}">
               <a14:hiddenFill xmlns:a14="http://schemas.microsoft.com/office/drawing/2010/main">
                 <a:solidFill>
                   <a:srgbClr val="FFFFFF"/>
                 </a:solidFill>
               </a14:hiddenFill>
             </a:ext>
-            <a:ext uri="{91240B29-F687-4f45-9708-019B960494DF}">
+            <a:ext uri="{91240B29-F687-4F45-9708-019B960494DF}">
               <a14:hiddenLine xmlns:a14="http://schemas.microsoft.com/office/drawing/2010/main" w="9525">
                 <a:solidFill>
                   <a:srgbClr val="000000"/>
@@ -18911,7 +18928,7 @@
               <a:rPr lang="en-US" smtClean="0">
                 <a:latin typeface="Garamond" charset="0"/>
               </a:rPr>
-              <a:t>5/18/16</a:t>
+              <a:t>5/19/2016</a:t>
             </a:fld>
             <a:endParaRPr lang="en-US">
               <a:latin typeface="Garamond" charset="0"/>
@@ -19102,7 +19119,7 @@
   <p:timing>
     <p:tnLst>
       <p:par>
-        <p:cTn xmlns:p14="http://schemas.microsoft.com/office/powerpoint/2010/main" id="1" dur="indefinite" restart="never" nodeType="tmRoot"/>
+        <p:cTn id="1" dur="indefinite" restart="never" nodeType="tmRoot"/>
       </p:par>
     </p:tnLst>
   </p:timing>
@@ -19426,7 +19443,7 @@
               <a:rPr lang="en-US" smtClean="0">
                 <a:latin typeface="Garamond" charset="0"/>
               </a:rPr>
-              <a:t>5/18/16</a:t>
+              <a:t>5/19/2016</a:t>
             </a:fld>
             <a:endParaRPr lang="en-US">
               <a:latin typeface="Garamond" charset="0"/>
@@ -19617,7 +19634,7 @@
   <p:timing>
     <p:tnLst>
       <p:par>
-        <p:cTn xmlns:p14="http://schemas.microsoft.com/office/powerpoint/2010/main" id="1" dur="indefinite" restart="never" nodeType="tmRoot"/>
+        <p:cTn id="1" dur="indefinite" restart="never" nodeType="tmRoot"/>
       </p:par>
     </p:tnLst>
   </p:timing>
@@ -20163,7 +20180,7 @@
               <a:rPr lang="en-US" smtClean="0">
                 <a:latin typeface="Garamond" charset="0"/>
               </a:rPr>
-              <a:t>5/18/16</a:t>
+              <a:t>5/19/2016</a:t>
             </a:fld>
             <a:endParaRPr lang="en-US">
               <a:latin typeface="Garamond" charset="0"/>
@@ -20354,7 +20371,7 @@
   <p:timing>
     <p:tnLst>
       <p:par>
-        <p:cTn xmlns:p14="http://schemas.microsoft.com/office/powerpoint/2010/main" id="1" dur="indefinite" restart="never" nodeType="tmRoot"/>
+        <p:cTn id="1" dur="indefinite" restart="never" nodeType="tmRoot"/>
       </p:par>
     </p:tnLst>
   </p:timing>
@@ -21562,7 +21579,7 @@
               <a:rPr lang="en-US" smtClean="0">
                 <a:latin typeface="Garamond" charset="0"/>
               </a:rPr>
-              <a:t>5/18/16</a:t>
+              <a:t>5/19/2016</a:t>
             </a:fld>
             <a:endParaRPr lang="en-US">
               <a:latin typeface="Garamond" charset="0"/>
@@ -21609,7 +21626,7 @@
   <p:timing>
     <p:tnLst>
       <p:par>
-        <p:cTn xmlns:p14="http://schemas.microsoft.com/office/powerpoint/2010/main" id="1" dur="indefinite" restart="never" nodeType="tmRoot"/>
+        <p:cTn id="1" dur="indefinite" restart="never" nodeType="tmRoot"/>
       </p:par>
     </p:tnLst>
   </p:timing>
@@ -22075,7 +22092,7 @@
               <a:rPr lang="en-US" smtClean="0">
                 <a:latin typeface="Garamond" charset="0"/>
               </a:rPr>
-              <a:t>5/18/16</a:t>
+              <a:t>5/19/2016</a:t>
             </a:fld>
             <a:endParaRPr lang="en-US">
               <a:latin typeface="Garamond" charset="0"/>
@@ -22266,7 +22283,7 @@
   <p:timing>
     <p:tnLst>
       <p:par>
-        <p:cTn xmlns:p14="http://schemas.microsoft.com/office/powerpoint/2010/main" id="1" dur="indefinite" restart="never" nodeType="tmRoot"/>
+        <p:cTn id="1" dur="indefinite" restart="never" nodeType="tmRoot"/>
       </p:par>
     </p:tnLst>
   </p:timing>
@@ -22340,14 +22357,14 @@
             <a:noFill/>
           </a:ln>
           <a:extLst>
-            <a:ext uri="{909E8E84-426E-40dd-AFC4-6F175D3DCCD1}">
+            <a:ext uri="{909E8E84-426E-40DD-AFC4-6F175D3DCCD1}">
               <a14:hiddenFill xmlns:a14="http://schemas.microsoft.com/office/drawing/2010/main">
                 <a:solidFill>
                   <a:srgbClr val="FFFFFF"/>
                 </a:solidFill>
               </a14:hiddenFill>
             </a:ext>
-            <a:ext uri="{91240B29-F687-4f45-9708-019B960494DF}">
+            <a:ext uri="{91240B29-F687-4F45-9708-019B960494DF}">
               <a14:hiddenLine xmlns:a14="http://schemas.microsoft.com/office/drawing/2010/main" w="9525">
                 <a:solidFill>
                   <a:srgbClr val="000000"/>
@@ -22743,7 +22760,7 @@
               <a:rPr lang="en-US" smtClean="0">
                 <a:latin typeface="Garamond" charset="0"/>
               </a:rPr>
-              <a:t>5/18/16</a:t>
+              <a:t>5/19/2016</a:t>
             </a:fld>
             <a:endParaRPr lang="en-US">
               <a:latin typeface="Garamond" charset="0"/>
@@ -22934,7 +22951,7 @@
   <p:timing>
     <p:tnLst>
       <p:par>
-        <p:cTn xmlns:p14="http://schemas.microsoft.com/office/powerpoint/2010/main" id="1" dur="indefinite" restart="never" nodeType="tmRoot"/>
+        <p:cTn id="1" dur="indefinite" restart="never" nodeType="tmRoot"/>
       </p:par>
     </p:tnLst>
   </p:timing>
@@ -23008,14 +23025,14 @@
             <a:noFill/>
           </a:ln>
           <a:extLst>
-            <a:ext uri="{909E8E84-426E-40dd-AFC4-6F175D3DCCD1}">
+            <a:ext uri="{909E8E84-426E-40DD-AFC4-6F175D3DCCD1}">
               <a14:hiddenFill xmlns:a14="http://schemas.microsoft.com/office/drawing/2010/main">
                 <a:solidFill>
                   <a:srgbClr val="FFFFFF"/>
                 </a:solidFill>
               </a14:hiddenFill>
             </a:ext>
-            <a:ext uri="{91240B29-F687-4f45-9708-019B960494DF}">
+            <a:ext uri="{91240B29-F687-4F45-9708-019B960494DF}">
               <a14:hiddenLine xmlns:a14="http://schemas.microsoft.com/office/drawing/2010/main" w="9525">
                 <a:solidFill>
                   <a:srgbClr val="000000"/>
@@ -23689,7 +23706,7 @@
               <a:rPr lang="en-US" smtClean="0">
                 <a:latin typeface="Garamond" charset="0"/>
               </a:rPr>
-              <a:t>5/18/16</a:t>
+              <a:t>5/19/2016</a:t>
             </a:fld>
             <a:endParaRPr lang="en-US">
               <a:latin typeface="Garamond" charset="0"/>
@@ -23880,7 +23897,7 @@
   <p:timing>
     <p:tnLst>
       <p:par>
-        <p:cTn xmlns:p14="http://schemas.microsoft.com/office/powerpoint/2010/main" id="1" dur="indefinite" restart="never" nodeType="tmRoot"/>
+        <p:cTn id="1" dur="indefinite" restart="never" nodeType="tmRoot"/>
       </p:par>
     </p:tnLst>
   </p:timing>
@@ -24198,7 +24215,7 @@
               <a:rPr lang="en-US" smtClean="0">
                 <a:latin typeface="Garamond" charset="0"/>
               </a:rPr>
-              <a:t>5/18/16</a:t>
+              <a:t>5/19/2016</a:t>
             </a:fld>
             <a:endParaRPr lang="en-US">
               <a:latin typeface="Garamond" charset="0"/>
@@ -24389,7 +24406,7 @@
   <p:timing>
     <p:tnLst>
       <p:par>
-        <p:cTn xmlns:p14="http://schemas.microsoft.com/office/powerpoint/2010/main" id="1" dur="indefinite" restart="never" nodeType="tmRoot"/>
+        <p:cTn id="1" dur="indefinite" restart="never" nodeType="tmRoot"/>
       </p:par>
     </p:tnLst>
   </p:timing>
@@ -24891,7 +24908,7 @@
               <a:rPr lang="en-US" smtClean="0">
                 <a:latin typeface="Garamond" charset="0"/>
               </a:rPr>
-              <a:t>5/18/16</a:t>
+              <a:t>5/19/2016</a:t>
             </a:fld>
             <a:endParaRPr lang="en-US">
               <a:latin typeface="Garamond" charset="0"/>
@@ -25082,7 +25099,7 @@
   <p:timing>
     <p:tnLst>
       <p:par>
-        <p:cTn xmlns:p14="http://schemas.microsoft.com/office/powerpoint/2010/main" id="1" dur="indefinite" restart="never" nodeType="tmRoot"/>
+        <p:cTn id="1" dur="indefinite" restart="never" nodeType="tmRoot"/>
       </p:par>
     </p:tnLst>
   </p:timing>
@@ -25156,14 +25173,14 @@
             <a:noFill/>
           </a:ln>
           <a:extLst>
-            <a:ext uri="{909E8E84-426E-40dd-AFC4-6F175D3DCCD1}">
+            <a:ext uri="{909E8E84-426E-40DD-AFC4-6F175D3DCCD1}">
               <a14:hiddenFill xmlns:a14="http://schemas.microsoft.com/office/drawing/2010/main">
                 <a:solidFill>
                   <a:srgbClr val="FFFFFF"/>
                 </a:solidFill>
               </a14:hiddenFill>
             </a:ext>
-            <a:ext uri="{91240B29-F687-4f45-9708-019B960494DF}">
+            <a:ext uri="{91240B29-F687-4F45-9708-019B960494DF}">
               <a14:hiddenLine xmlns:a14="http://schemas.microsoft.com/office/drawing/2010/main" w="9525">
                 <a:solidFill>
                   <a:srgbClr val="000000"/>
@@ -25848,7 +25865,7 @@
               <a:rPr lang="en-US" smtClean="0">
                 <a:latin typeface="Garamond" charset="0"/>
               </a:rPr>
-              <a:t>5/18/16</a:t>
+              <a:t>5/19/2016</a:t>
             </a:fld>
             <a:endParaRPr lang="en-US">
               <a:latin typeface="Garamond" charset="0"/>
@@ -26039,7 +26056,7 @@
   <p:timing>
     <p:tnLst>
       <p:par>
-        <p:cTn xmlns:p14="http://schemas.microsoft.com/office/powerpoint/2010/main" id="1" dur="indefinite" restart="never" nodeType="tmRoot"/>
+        <p:cTn id="1" dur="indefinite" restart="never" nodeType="tmRoot"/>
       </p:par>
     </p:tnLst>
   </p:timing>
@@ -26272,7 +26289,7 @@
               <a:rPr lang="en-US" smtClean="0">
                 <a:latin typeface="Garamond" charset="0"/>
               </a:rPr>
-              <a:t>5/18/16</a:t>
+              <a:t>5/19/2016</a:t>
             </a:fld>
             <a:endParaRPr lang="en-US">
               <a:latin typeface="Garamond" charset="0"/>
@@ -26687,14 +26704,14 @@
             <a:noFill/>
           </a:ln>
           <a:extLst>
-            <a:ext uri="{909E8E84-426E-40dd-AFC4-6F175D3DCCD1}">
+            <a:ext uri="{909E8E84-426E-40DD-AFC4-6F175D3DCCD1}">
               <a14:hiddenFill xmlns:a14="http://schemas.microsoft.com/office/drawing/2010/main">
                 <a:solidFill>
                   <a:srgbClr val="FFFFFF"/>
                 </a:solidFill>
               </a14:hiddenFill>
             </a:ext>
-            <a:ext uri="{91240B29-F687-4f45-9708-019B960494DF}">
+            <a:ext uri="{91240B29-F687-4F45-9708-019B960494DF}">
               <a14:hiddenLine xmlns:a14="http://schemas.microsoft.com/office/drawing/2010/main" w="9525">
                 <a:solidFill>
                   <a:srgbClr val="000000"/>
@@ -26831,14 +26848,14 @@
             <a:noFill/>
           </a:ln>
           <a:extLst>
-            <a:ext uri="{909E8E84-426E-40dd-AFC4-6F175D3DCCD1}">
+            <a:ext uri="{909E8E84-426E-40DD-AFC4-6F175D3DCCD1}">
               <a14:hiddenFill xmlns:a14="http://schemas.microsoft.com/office/drawing/2010/main">
                 <a:solidFill>
                   <a:srgbClr val="FFFFFF"/>
                 </a:solidFill>
               </a14:hiddenFill>
             </a:ext>
-            <a:ext uri="{91240B29-F687-4f45-9708-019B960494DF}">
+            <a:ext uri="{91240B29-F687-4F45-9708-019B960494DF}">
               <a14:hiddenLine xmlns:a14="http://schemas.microsoft.com/office/drawing/2010/main" w="9525">
                 <a:solidFill>
                   <a:srgbClr val="000000"/>
@@ -26975,14 +26992,14 @@
             <a:noFill/>
           </a:ln>
           <a:extLst>
-            <a:ext uri="{909E8E84-426E-40dd-AFC4-6F175D3DCCD1}">
+            <a:ext uri="{909E8E84-426E-40DD-AFC4-6F175D3DCCD1}">
               <a14:hiddenFill xmlns:a14="http://schemas.microsoft.com/office/drawing/2010/main">
                 <a:solidFill>
                   <a:srgbClr val="FFFFFF"/>
                 </a:solidFill>
               </a14:hiddenFill>
             </a:ext>
-            <a:ext uri="{91240B29-F687-4f45-9708-019B960494DF}">
+            <a:ext uri="{91240B29-F687-4F45-9708-019B960494DF}">
               <a14:hiddenLine xmlns:a14="http://schemas.microsoft.com/office/drawing/2010/main" w="9525">
                 <a:solidFill>
                   <a:srgbClr val="000000"/>
@@ -27119,14 +27136,14 @@
             <a:noFill/>
           </a:ln>
           <a:extLst>
-            <a:ext uri="{909E8E84-426E-40dd-AFC4-6F175D3DCCD1}">
+            <a:ext uri="{909E8E84-426E-40DD-AFC4-6F175D3DCCD1}">
               <a14:hiddenFill xmlns:a14="http://schemas.microsoft.com/office/drawing/2010/main">
                 <a:solidFill>
                   <a:srgbClr val="FFFFFF"/>
                 </a:solidFill>
               </a14:hiddenFill>
             </a:ext>
-            <a:ext uri="{91240B29-F687-4f45-9708-019B960494DF}">
+            <a:ext uri="{91240B29-F687-4F45-9708-019B960494DF}">
               <a14:hiddenLine xmlns:a14="http://schemas.microsoft.com/office/drawing/2010/main" w="9525">
                 <a:solidFill>
                   <a:srgbClr val="000000"/>
@@ -27263,14 +27280,14 @@
             <a:noFill/>
           </a:ln>
           <a:extLst>
-            <a:ext uri="{909E8E84-426E-40dd-AFC4-6F175D3DCCD1}">
+            <a:ext uri="{909E8E84-426E-40DD-AFC4-6F175D3DCCD1}">
               <a14:hiddenFill xmlns:a14="http://schemas.microsoft.com/office/drawing/2010/main">
                 <a:solidFill>
                   <a:srgbClr val="FFFFFF"/>
                 </a:solidFill>
               </a14:hiddenFill>
             </a:ext>
-            <a:ext uri="{91240B29-F687-4f45-9708-019B960494DF}">
+            <a:ext uri="{91240B29-F687-4F45-9708-019B960494DF}">
               <a14:hiddenLine xmlns:a14="http://schemas.microsoft.com/office/drawing/2010/main" w="9525">
                 <a:solidFill>
                   <a:srgbClr val="000000"/>
@@ -27407,14 +27424,14 @@
             <a:noFill/>
           </a:ln>
           <a:extLst>
-            <a:ext uri="{909E8E84-426E-40dd-AFC4-6F175D3DCCD1}">
+            <a:ext uri="{909E8E84-426E-40DD-AFC4-6F175D3DCCD1}">
               <a14:hiddenFill xmlns:a14="http://schemas.microsoft.com/office/drawing/2010/main">
                 <a:solidFill>
                   <a:srgbClr val="FFFFFF"/>
                 </a:solidFill>
               </a14:hiddenFill>
             </a:ext>
-            <a:ext uri="{91240B29-F687-4f45-9708-019B960494DF}">
+            <a:ext uri="{91240B29-F687-4F45-9708-019B960494DF}">
               <a14:hiddenLine xmlns:a14="http://schemas.microsoft.com/office/drawing/2010/main" w="9525">
                 <a:solidFill>
                   <a:srgbClr val="000000"/>
@@ -27543,7 +27560,7 @@
   <p:timing>
     <p:tnLst>
       <p:par>
-        <p:cTn xmlns:p14="http://schemas.microsoft.com/office/powerpoint/2010/main" id="1" dur="indefinite" restart="never" nodeType="tmRoot"/>
+        <p:cTn id="1" dur="indefinite" restart="never" nodeType="tmRoot"/>
       </p:par>
     </p:tnLst>
   </p:timing>
@@ -27622,7 +27639,7 @@
             <a:tailEnd/>
           </a:ln>
           <a:extLst>
-            <a:ext uri="{909E8E84-426E-40dd-AFC4-6F175D3DCCD1}">
+            <a:ext uri="{909E8E84-426E-40DD-AFC4-6F175D3DCCD1}">
               <a14:hiddenFill xmlns:a14="http://schemas.microsoft.com/office/drawing/2010/main">
                 <a:solidFill>
                   <a:srgbClr val="FFFFFF"/>
@@ -27676,7 +27693,7 @@
             <a:tailEnd/>
           </a:ln>
           <a:extLst>
-            <a:ext uri="{909E8E84-426E-40dd-AFC4-6F175D3DCCD1}">
+            <a:ext uri="{909E8E84-426E-40DD-AFC4-6F175D3DCCD1}">
               <a14:hiddenFill xmlns:a14="http://schemas.microsoft.com/office/drawing/2010/main">
                 <a:solidFill>
                   <a:srgbClr val="FFFFFF"/>
@@ -27730,7 +27747,7 @@
             <a:tailEnd/>
           </a:ln>
           <a:extLst>
-            <a:ext uri="{909E8E84-426E-40dd-AFC4-6F175D3DCCD1}">
+            <a:ext uri="{909E8E84-426E-40DD-AFC4-6F175D3DCCD1}">
               <a14:hiddenFill xmlns:a14="http://schemas.microsoft.com/office/drawing/2010/main">
                 <a:solidFill>
                   <a:srgbClr val="FFFFFF"/>
@@ -27777,7 +27794,7 @@
             <a:tailEnd/>
           </a:ln>
           <a:extLst>
-            <a:ext uri="{909E8E84-426E-40dd-AFC4-6F175D3DCCD1}">
+            <a:ext uri="{909E8E84-426E-40DD-AFC4-6F175D3DCCD1}">
               <a14:hiddenFill xmlns:a14="http://schemas.microsoft.com/office/drawing/2010/main">
                 <a:solidFill>
                   <a:srgbClr val="FFFFFF"/>
@@ -27824,7 +27841,7 @@
             <a:tailEnd type="triangle" w="med" len="med"/>
           </a:ln>
           <a:extLst>
-            <a:ext uri="{909E8E84-426E-40dd-AFC4-6F175D3DCCD1}">
+            <a:ext uri="{909E8E84-426E-40DD-AFC4-6F175D3DCCD1}">
               <a14:hiddenFill xmlns:a14="http://schemas.microsoft.com/office/drawing/2010/main">
                 <a:noFill/>
               </a14:hiddenFill>
@@ -27865,7 +27882,7 @@
             <a:tailEnd type="triangle" w="med" len="med"/>
           </a:ln>
           <a:extLst>
-            <a:ext uri="{909E8E84-426E-40dd-AFC4-6F175D3DCCD1}">
+            <a:ext uri="{909E8E84-426E-40DD-AFC4-6F175D3DCCD1}">
               <a14:hiddenFill xmlns:a14="http://schemas.microsoft.com/office/drawing/2010/main">
                 <a:noFill/>
               </a14:hiddenFill>
@@ -27906,7 +27923,7 @@
             <a:tailEnd type="triangle" w="med" len="med"/>
           </a:ln>
           <a:extLst>
-            <a:ext uri="{909E8E84-426E-40dd-AFC4-6F175D3DCCD1}">
+            <a:ext uri="{909E8E84-426E-40DD-AFC4-6F175D3DCCD1}">
               <a14:hiddenFill xmlns:a14="http://schemas.microsoft.com/office/drawing/2010/main">
                 <a:noFill/>
               </a14:hiddenFill>
@@ -27947,7 +27964,7 @@
             <a:tailEnd type="triangle" w="med" len="med"/>
           </a:ln>
           <a:extLst>
-            <a:ext uri="{909E8E84-426E-40dd-AFC4-6F175D3DCCD1}">
+            <a:ext uri="{909E8E84-426E-40DD-AFC4-6F175D3DCCD1}">
               <a14:hiddenFill xmlns:a14="http://schemas.microsoft.com/office/drawing/2010/main">
                 <a:noFill/>
               </a14:hiddenFill>
@@ -28097,7 +28114,7 @@
               <a:rPr lang="en-US" smtClean="0">
                 <a:latin typeface="Garamond" charset="0"/>
               </a:rPr>
-              <a:t>5/18/16</a:t>
+              <a:t>5/19/2016</a:t>
             </a:fld>
             <a:endParaRPr lang="en-US">
               <a:latin typeface="Garamond" charset="0"/>
@@ -28309,14 +28326,14 @@
             <a:noFill/>
           </a:ln>
           <a:extLst>
-            <a:ext uri="{909E8E84-426E-40dd-AFC4-6F175D3DCCD1}">
+            <a:ext uri="{909E8E84-426E-40DD-AFC4-6F175D3DCCD1}">
               <a14:hiddenFill xmlns:a14="http://schemas.microsoft.com/office/drawing/2010/main">
                 <a:solidFill>
                   <a:srgbClr val="FFFFFF"/>
                 </a:solidFill>
               </a14:hiddenFill>
             </a:ext>
-            <a:ext uri="{91240B29-F687-4f45-9708-019B960494DF}">
+            <a:ext uri="{91240B29-F687-4F45-9708-019B960494DF}">
               <a14:hiddenLine xmlns:a14="http://schemas.microsoft.com/office/drawing/2010/main" w="9525">
                 <a:solidFill>
                   <a:srgbClr val="000000"/>
@@ -28342,7 +28359,7 @@
   <p:timing>
     <p:tnLst>
       <p:par>
-        <p:cTn xmlns:p14="http://schemas.microsoft.com/office/powerpoint/2010/main" id="1" dur="indefinite" restart="never" nodeType="tmRoot"/>
+        <p:cTn id="1" dur="indefinite" restart="never" nodeType="tmRoot"/>
       </p:par>
     </p:tnLst>
   </p:timing>
@@ -28392,7 +28409,7 @@
             <a:tailEnd/>
           </a:ln>
           <a:extLst>
-            <a:ext uri="{909E8E84-426E-40dd-AFC4-6F175D3DCCD1}">
+            <a:ext uri="{909E8E84-426E-40DD-AFC4-6F175D3DCCD1}">
               <a14:hiddenFill xmlns:a14="http://schemas.microsoft.com/office/drawing/2010/main">
                 <a:solidFill>
                   <a:srgbClr val="FFFFFF"/>
@@ -28436,7 +28453,7 @@
             <a:tailEnd/>
           </a:ln>
           <a:extLst>
-            <a:ext uri="{909E8E84-426E-40dd-AFC4-6F175D3DCCD1}">
+            <a:ext uri="{909E8E84-426E-40DD-AFC4-6F175D3DCCD1}">
               <a14:hiddenFill xmlns:a14="http://schemas.microsoft.com/office/drawing/2010/main">
                 <a:solidFill>
                   <a:srgbClr val="FFFFFF"/>
@@ -28479,7 +28496,7 @@
             <a:tailEnd/>
           </a:ln>
           <a:extLst>
-            <a:ext uri="{909E8E84-426E-40dd-AFC4-6F175D3DCCD1}">
+            <a:ext uri="{909E8E84-426E-40DD-AFC4-6F175D3DCCD1}">
               <a14:hiddenFill xmlns:a14="http://schemas.microsoft.com/office/drawing/2010/main">
                 <a:solidFill>
                   <a:srgbClr val="FFFFFF"/>
@@ -28548,7 +28565,7 @@
           <a:graphicData uri="http://schemas.openxmlformats.org/presentationml/2006/ole">
             <mc:AlternateContent xmlns:mc="http://schemas.openxmlformats.org/markup-compatibility/2006">
               <mc:Choice xmlns:v="urn:schemas-microsoft-com:vml" Requires="v">
-                <p:oleObj spid="_x0000_s1029" name="Equation" r:id="rId3" imgW="571252" imgH="393529" progId="Equation.3">
+                <p:oleObj spid="_x0000_s1045" name="Equation" r:id="rId3" imgW="571252" imgH="393529" progId="Equation.3">
                   <p:embed/>
                 </p:oleObj>
               </mc:Choice>
@@ -28589,14 +28606,14 @@
                         <a:noFill/>
                       </a:ln>
                       <a:extLst>
-                        <a:ext uri="{909E8E84-426E-40dd-AFC4-6F175D3DCCD1}">
+                        <a:ext uri="{909E8E84-426E-40DD-AFC4-6F175D3DCCD1}">
                           <a14:hiddenFill xmlns:a14="http://schemas.microsoft.com/office/drawing/2010/main">
                             <a:solidFill>
                               <a:srgbClr val="FFFFFF"/>
                             </a:solidFill>
                           </a14:hiddenFill>
                         </a:ext>
-                        <a:ext uri="{91240B29-F687-4f45-9708-019B960494DF}">
+                        <a:ext uri="{91240B29-F687-4F45-9708-019B960494DF}">
                           <a14:hiddenLine xmlns:a14="http://schemas.microsoft.com/office/drawing/2010/main" w="9525">
                             <a:solidFill>
                               <a:srgbClr val="000000"/>
@@ -28633,7 +28650,7 @@
           <a:graphicData uri="http://schemas.openxmlformats.org/presentationml/2006/ole">
             <mc:AlternateContent xmlns:mc="http://schemas.openxmlformats.org/markup-compatibility/2006">
               <mc:Choice xmlns:v="urn:schemas-microsoft-com:vml" Requires="v">
-                <p:oleObj spid="_x0000_s1030" name="Equation" r:id="rId5" imgW="2463800" imgH="431800" progId="Equation.3">
+                <p:oleObj spid="_x0000_s1046" name="Equation" r:id="rId5" imgW="2463800" imgH="431800" progId="Equation.3">
                   <p:embed/>
                 </p:oleObj>
               </mc:Choice>
@@ -28675,14 +28692,14 @@
                       </a:ln>
                       <a:effectLst/>
                       <a:extLst>
-                        <a:ext uri="{909E8E84-426E-40dd-AFC4-6F175D3DCCD1}">
+                        <a:ext uri="{909E8E84-426E-40DD-AFC4-6F175D3DCCD1}">
                           <a14:hiddenFill xmlns:a14="http://schemas.microsoft.com/office/drawing/2010/main">
                             <a:solidFill>
                               <a:srgbClr val="FFFFFF"/>
                             </a:solidFill>
                           </a14:hiddenFill>
                         </a:ext>
-                        <a:ext uri="{91240B29-F687-4f45-9708-019B960494DF}">
+                        <a:ext uri="{91240B29-F687-4F45-9708-019B960494DF}">
                           <a14:hiddenLine xmlns:a14="http://schemas.microsoft.com/office/drawing/2010/main" w="9525">
                             <a:solidFill>
                               <a:srgbClr val="000000"/>
@@ -28692,7 +28709,7 @@
                             <a:tailEnd/>
                           </a14:hiddenLine>
                         </a:ext>
-                        <a:ext uri="{AF507438-7753-43e0-B8FC-AC1667EBCBE1}">
+                        <a:ext uri="{AF507438-7753-43E0-B8FC-AC1667EBCBE1}">
                           <a14:hiddenEffects xmlns:a14="http://schemas.microsoft.com/office/drawing/2010/main">
                             <a:effectLst>
                               <a:outerShdw dist="35921" dir="2700000" algn="ctr" rotWithShape="0">
@@ -28728,7 +28745,7 @@
           <a:graphicData uri="http://schemas.openxmlformats.org/presentationml/2006/ole">
             <mc:AlternateContent xmlns:mc="http://schemas.openxmlformats.org/markup-compatibility/2006">
               <mc:Choice xmlns:v="urn:schemas-microsoft-com:vml" Requires="v">
-                <p:oleObj spid="_x0000_s1031" name="Equation" r:id="rId7" imgW="2222500" imgH="431800" progId="Equation.3">
+                <p:oleObj spid="_x0000_s1047" name="Equation" r:id="rId7" imgW="2222500" imgH="431800" progId="Equation.3">
                   <p:embed/>
                 </p:oleObj>
               </mc:Choice>
@@ -28769,14 +28786,14 @@
                         <a:noFill/>
                       </a:ln>
                       <a:extLst>
-                        <a:ext uri="{909E8E84-426E-40dd-AFC4-6F175D3DCCD1}">
+                        <a:ext uri="{909E8E84-426E-40DD-AFC4-6F175D3DCCD1}">
                           <a14:hiddenFill xmlns:a14="http://schemas.microsoft.com/office/drawing/2010/main">
                             <a:solidFill>
                               <a:srgbClr val="FFFFFF"/>
                             </a:solidFill>
                           </a14:hiddenFill>
                         </a:ext>
-                        <a:ext uri="{91240B29-F687-4f45-9708-019B960494DF}">
+                        <a:ext uri="{91240B29-F687-4F45-9708-019B960494DF}">
                           <a14:hiddenLine xmlns:a14="http://schemas.microsoft.com/office/drawing/2010/main" w="9525">
                             <a:solidFill>
                               <a:srgbClr val="000000"/>
@@ -28821,7 +28838,7 @@
             <a:tailEnd type="triangle" w="med" len="med"/>
           </a:ln>
           <a:extLst>
-            <a:ext uri="{909E8E84-426E-40dd-AFC4-6F175D3DCCD1}">
+            <a:ext uri="{909E8E84-426E-40DD-AFC4-6F175D3DCCD1}">
               <a14:hiddenFill xmlns:a14="http://schemas.microsoft.com/office/drawing/2010/main">
                 <a:noFill/>
               </a14:hiddenFill>
@@ -28862,7 +28879,7 @@
             <a:tailEnd/>
           </a:ln>
           <a:extLst>
-            <a:ext uri="{909E8E84-426E-40dd-AFC4-6F175D3DCCD1}">
+            <a:ext uri="{909E8E84-426E-40DD-AFC4-6F175D3DCCD1}">
               <a14:hiddenFill xmlns:a14="http://schemas.microsoft.com/office/drawing/2010/main">
                 <a:solidFill>
                   <a:srgbClr val="FFFFFF"/>
@@ -28909,7 +28926,7 @@
             <a:tailEnd type="triangle" w="med" len="med"/>
           </a:ln>
           <a:extLst>
-            <a:ext uri="{909E8E84-426E-40dd-AFC4-6F175D3DCCD1}">
+            <a:ext uri="{909E8E84-426E-40DD-AFC4-6F175D3DCCD1}">
               <a14:hiddenFill xmlns:a14="http://schemas.microsoft.com/office/drawing/2010/main">
                 <a:noFill/>
               </a14:hiddenFill>
@@ -28950,7 +28967,7 @@
             <a:tailEnd type="triangle" w="med" len="med"/>
           </a:ln>
           <a:extLst>
-            <a:ext uri="{909E8E84-426E-40dd-AFC4-6F175D3DCCD1}">
+            <a:ext uri="{909E8E84-426E-40DD-AFC4-6F175D3DCCD1}">
               <a14:hiddenFill xmlns:a14="http://schemas.microsoft.com/office/drawing/2010/main">
                 <a:noFill/>
               </a14:hiddenFill>
@@ -28986,14 +29003,14 @@
             <a:noFill/>
           </a:ln>
           <a:extLst>
-            <a:ext uri="{909E8E84-426E-40dd-AFC4-6F175D3DCCD1}">
+            <a:ext uri="{909E8E84-426E-40DD-AFC4-6F175D3DCCD1}">
               <a14:hiddenFill xmlns:a14="http://schemas.microsoft.com/office/drawing/2010/main">
                 <a:solidFill>
                   <a:srgbClr val="FFFFFF"/>
                 </a:solidFill>
               </a14:hiddenFill>
             </a:ext>
-            <a:ext uri="{91240B29-F687-4f45-9708-019B960494DF}">
+            <a:ext uri="{91240B29-F687-4F45-9708-019B960494DF}">
               <a14:hiddenLine xmlns:a14="http://schemas.microsoft.com/office/drawing/2010/main" w="9525">
                 <a:solidFill>
                   <a:srgbClr val="000000"/>
@@ -29130,14 +29147,14 @@
             <a:noFill/>
           </a:ln>
           <a:extLst>
-            <a:ext uri="{909E8E84-426E-40dd-AFC4-6F175D3DCCD1}">
+            <a:ext uri="{909E8E84-426E-40DD-AFC4-6F175D3DCCD1}">
               <a14:hiddenFill xmlns:a14="http://schemas.microsoft.com/office/drawing/2010/main">
                 <a:solidFill>
                   <a:srgbClr val="FFFFFF"/>
                 </a:solidFill>
               </a14:hiddenFill>
             </a:ext>
-            <a:ext uri="{91240B29-F687-4f45-9708-019B960494DF}">
+            <a:ext uri="{91240B29-F687-4F45-9708-019B960494DF}">
               <a14:hiddenLine xmlns:a14="http://schemas.microsoft.com/office/drawing/2010/main" w="9525">
                 <a:solidFill>
                   <a:srgbClr val="000000"/>
@@ -29279,7 +29296,7 @@
             <a:tailEnd/>
           </a:ln>
           <a:extLst>
-            <a:ext uri="{909E8E84-426E-40dd-AFC4-6F175D3DCCD1}">
+            <a:ext uri="{909E8E84-426E-40DD-AFC4-6F175D3DCCD1}">
               <a14:hiddenFill xmlns:a14="http://schemas.microsoft.com/office/drawing/2010/main">
                 <a:solidFill>
                   <a:srgbClr val="FFFFFF"/>
@@ -29323,7 +29340,7 @@
             <a:tailEnd/>
           </a:ln>
           <a:extLst>
-            <a:ext uri="{909E8E84-426E-40dd-AFC4-6F175D3DCCD1}">
+            <a:ext uri="{909E8E84-426E-40DD-AFC4-6F175D3DCCD1}">
               <a14:hiddenFill xmlns:a14="http://schemas.microsoft.com/office/drawing/2010/main">
                 <a:solidFill>
                   <a:srgbClr val="FFFFFF"/>
@@ -29370,7 +29387,7 @@
             <a:tailEnd/>
           </a:ln>
           <a:extLst>
-            <a:ext uri="{909E8E84-426E-40dd-AFC4-6F175D3DCCD1}">
+            <a:ext uri="{909E8E84-426E-40DD-AFC4-6F175D3DCCD1}">
               <a14:hiddenFill xmlns:a14="http://schemas.microsoft.com/office/drawing/2010/main">
                 <a:solidFill>
                   <a:srgbClr val="FFFFFF"/>
@@ -29424,7 +29441,7 @@
             <a:tailEnd/>
           </a:ln>
           <a:extLst>
-            <a:ext uri="{909E8E84-426E-40dd-AFC4-6F175D3DCCD1}">
+            <a:ext uri="{909E8E84-426E-40DD-AFC4-6F175D3DCCD1}">
               <a14:hiddenFill xmlns:a14="http://schemas.microsoft.com/office/drawing/2010/main">
                 <a:solidFill>
                   <a:srgbClr val="FFFFFF"/>
@@ -29471,7 +29488,7 @@
             <a:tailEnd type="triangle" w="med" len="med"/>
           </a:ln>
           <a:extLst>
-            <a:ext uri="{909E8E84-426E-40dd-AFC4-6F175D3DCCD1}">
+            <a:ext uri="{909E8E84-426E-40DD-AFC4-6F175D3DCCD1}">
               <a14:hiddenFill xmlns:a14="http://schemas.microsoft.com/office/drawing/2010/main">
                 <a:noFill/>
               </a14:hiddenFill>
@@ -29512,7 +29529,7 @@
             <a:tailEnd type="triangle" w="med" len="med"/>
           </a:ln>
           <a:extLst>
-            <a:ext uri="{909E8E84-426E-40dd-AFC4-6F175D3DCCD1}">
+            <a:ext uri="{909E8E84-426E-40DD-AFC4-6F175D3DCCD1}">
               <a14:hiddenFill xmlns:a14="http://schemas.microsoft.com/office/drawing/2010/main">
                 <a:noFill/>
               </a14:hiddenFill>
@@ -29548,14 +29565,14 @@
             <a:noFill/>
           </a:ln>
           <a:extLst>
-            <a:ext uri="{909E8E84-426E-40dd-AFC4-6F175D3DCCD1}">
+            <a:ext uri="{909E8E84-426E-40DD-AFC4-6F175D3DCCD1}">
               <a14:hiddenFill xmlns:a14="http://schemas.microsoft.com/office/drawing/2010/main">
                 <a:solidFill>
                   <a:srgbClr val="FFFFFF"/>
                 </a:solidFill>
               </a14:hiddenFill>
             </a:ext>
-            <a:ext uri="{91240B29-F687-4f45-9708-019B960494DF}">
+            <a:ext uri="{91240B29-F687-4F45-9708-019B960494DF}">
               <a14:hiddenLine xmlns:a14="http://schemas.microsoft.com/office/drawing/2010/main" w="9525">
                 <a:solidFill>
                   <a:srgbClr val="000000"/>
@@ -29692,14 +29709,14 @@
             <a:noFill/>
           </a:ln>
           <a:extLst>
-            <a:ext uri="{909E8E84-426E-40dd-AFC4-6F175D3DCCD1}">
+            <a:ext uri="{909E8E84-426E-40DD-AFC4-6F175D3DCCD1}">
               <a14:hiddenFill xmlns:a14="http://schemas.microsoft.com/office/drawing/2010/main">
                 <a:solidFill>
                   <a:srgbClr val="FFFFFF"/>
                 </a:solidFill>
               </a14:hiddenFill>
             </a:ext>
-            <a:ext uri="{91240B29-F687-4f45-9708-019B960494DF}">
+            <a:ext uri="{91240B29-F687-4F45-9708-019B960494DF}">
               <a14:hiddenLine xmlns:a14="http://schemas.microsoft.com/office/drawing/2010/main" w="9525">
                 <a:solidFill>
                   <a:srgbClr val="000000"/>
@@ -29841,7 +29858,7 @@
             <a:tailEnd/>
           </a:ln>
           <a:extLst>
-            <a:ext uri="{909E8E84-426E-40dd-AFC4-6F175D3DCCD1}">
+            <a:ext uri="{909E8E84-426E-40DD-AFC4-6F175D3DCCD1}">
               <a14:hiddenFill xmlns:a14="http://schemas.microsoft.com/office/drawing/2010/main">
                 <a:solidFill>
                   <a:srgbClr val="FFFFFF"/>
@@ -29888,7 +29905,7 @@
             <a:tailEnd type="triangle" w="med" len="med"/>
           </a:ln>
           <a:extLst>
-            <a:ext uri="{909E8E84-426E-40dd-AFC4-6F175D3DCCD1}">
+            <a:ext uri="{909E8E84-426E-40DD-AFC4-6F175D3DCCD1}">
               <a14:hiddenFill xmlns:a14="http://schemas.microsoft.com/office/drawing/2010/main">
                 <a:noFill/>
               </a14:hiddenFill>
@@ -29929,7 +29946,7 @@
             <a:tailEnd type="triangle" w="med" len="med"/>
           </a:ln>
           <a:extLst>
-            <a:ext uri="{909E8E84-426E-40dd-AFC4-6F175D3DCCD1}">
+            <a:ext uri="{909E8E84-426E-40DD-AFC4-6F175D3DCCD1}">
               <a14:hiddenFill xmlns:a14="http://schemas.microsoft.com/office/drawing/2010/main">
                 <a:noFill/>
               </a14:hiddenFill>
@@ -29965,14 +29982,14 @@
             <a:noFill/>
           </a:ln>
           <a:extLst>
-            <a:ext uri="{909E8E84-426E-40dd-AFC4-6F175D3DCCD1}">
+            <a:ext uri="{909E8E84-426E-40DD-AFC4-6F175D3DCCD1}">
               <a14:hiddenFill xmlns:a14="http://schemas.microsoft.com/office/drawing/2010/main">
                 <a:solidFill>
                   <a:srgbClr val="FFFFFF"/>
                 </a:solidFill>
               </a14:hiddenFill>
             </a:ext>
-            <a:ext uri="{91240B29-F687-4f45-9708-019B960494DF}">
+            <a:ext uri="{91240B29-F687-4F45-9708-019B960494DF}">
               <a14:hiddenLine xmlns:a14="http://schemas.microsoft.com/office/drawing/2010/main" w="9525">
                 <a:solidFill>
                   <a:srgbClr val="000000"/>
@@ -30109,14 +30126,14 @@
             <a:noFill/>
           </a:ln>
           <a:extLst>
-            <a:ext uri="{909E8E84-426E-40dd-AFC4-6F175D3DCCD1}">
+            <a:ext uri="{909E8E84-426E-40DD-AFC4-6F175D3DCCD1}">
               <a14:hiddenFill xmlns:a14="http://schemas.microsoft.com/office/drawing/2010/main">
                 <a:solidFill>
                   <a:srgbClr val="FFFFFF"/>
                 </a:solidFill>
               </a14:hiddenFill>
             </a:ext>
-            <a:ext uri="{91240B29-F687-4f45-9708-019B960494DF}">
+            <a:ext uri="{91240B29-F687-4F45-9708-019B960494DF}">
               <a14:hiddenLine xmlns:a14="http://schemas.microsoft.com/office/drawing/2010/main" w="9525">
                 <a:solidFill>
                   <a:srgbClr val="000000"/>
@@ -30258,7 +30275,7 @@
             <a:tailEnd type="triangle" w="med" len="med"/>
           </a:ln>
           <a:extLst>
-            <a:ext uri="{909E8E84-426E-40dd-AFC4-6F175D3DCCD1}">
+            <a:ext uri="{909E8E84-426E-40DD-AFC4-6F175D3DCCD1}">
               <a14:hiddenFill xmlns:a14="http://schemas.microsoft.com/office/drawing/2010/main">
                 <a:noFill/>
               </a14:hiddenFill>
@@ -30299,7 +30316,7 @@
             <a:tailEnd/>
           </a:ln>
           <a:extLst>
-            <a:ext uri="{909E8E84-426E-40dd-AFC4-6F175D3DCCD1}">
+            <a:ext uri="{909E8E84-426E-40DD-AFC4-6F175D3DCCD1}">
               <a14:hiddenFill xmlns:a14="http://schemas.microsoft.com/office/drawing/2010/main">
                 <a:solidFill>
                   <a:srgbClr val="FFFFFF"/>
@@ -30353,7 +30370,7 @@
             <a:tailEnd/>
           </a:ln>
           <a:extLst>
-            <a:ext uri="{909E8E84-426E-40dd-AFC4-6F175D3DCCD1}">
+            <a:ext uri="{909E8E84-426E-40DD-AFC4-6F175D3DCCD1}">
               <a14:hiddenFill xmlns:a14="http://schemas.microsoft.com/office/drawing/2010/main">
                 <a:solidFill>
                   <a:srgbClr val="FFFFFF"/>
@@ -30407,7 +30424,7 @@
             <a:tailEnd type="triangle" w="med" len="med"/>
           </a:ln>
           <a:extLst>
-            <a:ext uri="{909E8E84-426E-40dd-AFC4-6F175D3DCCD1}">
+            <a:ext uri="{909E8E84-426E-40DD-AFC4-6F175D3DCCD1}">
               <a14:hiddenFill xmlns:a14="http://schemas.microsoft.com/office/drawing/2010/main">
                 <a:noFill/>
               </a14:hiddenFill>
@@ -30448,7 +30465,7 @@
             <a:tailEnd type="triangle" w="med" len="med"/>
           </a:ln>
           <a:extLst>
-            <a:ext uri="{909E8E84-426E-40dd-AFC4-6F175D3DCCD1}">
+            <a:ext uri="{909E8E84-426E-40DD-AFC4-6F175D3DCCD1}">
               <a14:hiddenFill xmlns:a14="http://schemas.microsoft.com/office/drawing/2010/main">
                 <a:noFill/>
               </a14:hiddenFill>
@@ -30489,7 +30506,7 @@
             <a:tailEnd type="triangle" w="med" len="med"/>
           </a:ln>
           <a:extLst>
-            <a:ext uri="{909E8E84-426E-40dd-AFC4-6F175D3DCCD1}">
+            <a:ext uri="{909E8E84-426E-40DD-AFC4-6F175D3DCCD1}">
               <a14:hiddenFill xmlns:a14="http://schemas.microsoft.com/office/drawing/2010/main">
                 <a:noFill/>
               </a14:hiddenFill>
@@ -30530,7 +30547,7 @@
             <a:tailEnd type="triangle" w="med" len="med"/>
           </a:ln>
           <a:extLst>
-            <a:ext uri="{909E8E84-426E-40dd-AFC4-6F175D3DCCD1}">
+            <a:ext uri="{909E8E84-426E-40DD-AFC4-6F175D3DCCD1}">
               <a14:hiddenFill xmlns:a14="http://schemas.microsoft.com/office/drawing/2010/main">
                 <a:noFill/>
               </a14:hiddenFill>
@@ -30571,7 +30588,7 @@
             <a:tailEnd/>
           </a:ln>
           <a:extLst>
-            <a:ext uri="{909E8E84-426E-40dd-AFC4-6F175D3DCCD1}">
+            <a:ext uri="{909E8E84-426E-40DD-AFC4-6F175D3DCCD1}">
               <a14:hiddenFill xmlns:a14="http://schemas.microsoft.com/office/drawing/2010/main">
                 <a:solidFill>
                   <a:srgbClr val="FFFFFF"/>
@@ -30632,7 +30649,7 @@
             <a:tailEnd type="triangle" w="med" len="med"/>
           </a:ln>
           <a:extLst>
-            <a:ext uri="{909E8E84-426E-40dd-AFC4-6F175D3DCCD1}">
+            <a:ext uri="{909E8E84-426E-40DD-AFC4-6F175D3DCCD1}">
               <a14:hiddenFill xmlns:a14="http://schemas.microsoft.com/office/drawing/2010/main">
                 <a:noFill/>
               </a14:hiddenFill>
@@ -30673,7 +30690,7 @@
             <a:tailEnd type="triangle" w="med" len="med"/>
           </a:ln>
           <a:extLst>
-            <a:ext uri="{909E8E84-426E-40dd-AFC4-6F175D3DCCD1}">
+            <a:ext uri="{909E8E84-426E-40DD-AFC4-6F175D3DCCD1}">
               <a14:hiddenFill xmlns:a14="http://schemas.microsoft.com/office/drawing/2010/main">
                 <a:noFill/>
               </a14:hiddenFill>
@@ -30714,7 +30731,7 @@
             <a:tailEnd type="triangle" w="med" len="med"/>
           </a:ln>
           <a:extLst>
-            <a:ext uri="{909E8E84-426E-40dd-AFC4-6F175D3DCCD1}">
+            <a:ext uri="{909E8E84-426E-40DD-AFC4-6F175D3DCCD1}">
               <a14:hiddenFill xmlns:a14="http://schemas.microsoft.com/office/drawing/2010/main">
                 <a:noFill/>
               </a14:hiddenFill>
@@ -30755,7 +30772,7 @@
             <a:tailEnd type="triangle" w="med" len="med"/>
           </a:ln>
           <a:extLst>
-            <a:ext uri="{909E8E84-426E-40dd-AFC4-6F175D3DCCD1}">
+            <a:ext uri="{909E8E84-426E-40DD-AFC4-6F175D3DCCD1}">
               <a14:hiddenFill xmlns:a14="http://schemas.microsoft.com/office/drawing/2010/main">
                 <a:noFill/>
               </a14:hiddenFill>
@@ -30796,7 +30813,7 @@
             <a:tailEnd type="triangle" w="med" len="med"/>
           </a:ln>
           <a:extLst>
-            <a:ext uri="{909E8E84-426E-40dd-AFC4-6F175D3DCCD1}">
+            <a:ext uri="{909E8E84-426E-40DD-AFC4-6F175D3DCCD1}">
               <a14:hiddenFill xmlns:a14="http://schemas.microsoft.com/office/drawing/2010/main">
                 <a:noFill/>
               </a14:hiddenFill>
@@ -30837,7 +30854,7 @@
             <a:tailEnd type="triangle" w="med" len="med"/>
           </a:ln>
           <a:extLst>
-            <a:ext uri="{909E8E84-426E-40dd-AFC4-6F175D3DCCD1}">
+            <a:ext uri="{909E8E84-426E-40DD-AFC4-6F175D3DCCD1}">
               <a14:hiddenFill xmlns:a14="http://schemas.microsoft.com/office/drawing/2010/main">
                 <a:noFill/>
               </a14:hiddenFill>
@@ -30878,7 +30895,7 @@
             <a:tailEnd/>
           </a:ln>
           <a:extLst>
-            <a:ext uri="{909E8E84-426E-40dd-AFC4-6F175D3DCCD1}">
+            <a:ext uri="{909E8E84-426E-40DD-AFC4-6F175D3DCCD1}">
               <a14:hiddenFill xmlns:a14="http://schemas.microsoft.com/office/drawing/2010/main">
                 <a:solidFill>
                   <a:srgbClr val="FFFFFF"/>
@@ -30917,7 +30934,7 @@
           <a:graphicData uri="http://schemas.openxmlformats.org/presentationml/2006/ole">
             <mc:AlternateContent xmlns:mc="http://schemas.openxmlformats.org/markup-compatibility/2006">
               <mc:Choice xmlns:v="urn:schemas-microsoft-com:vml" Requires="v">
-                <p:oleObj spid="_x0000_s1032" name="Equation" r:id="rId9" imgW="571252" imgH="393529" progId="Equation.3">
+                <p:oleObj spid="_x0000_s1048" name="Equation" r:id="rId9" imgW="571252" imgH="393529" progId="Equation.3">
                   <p:embed/>
                 </p:oleObj>
               </mc:Choice>
@@ -30959,14 +30976,14 @@
                       </a:ln>
                       <a:effectLst/>
                       <a:extLst>
-                        <a:ext uri="{909E8E84-426E-40dd-AFC4-6F175D3DCCD1}">
+                        <a:ext uri="{909E8E84-426E-40DD-AFC4-6F175D3DCCD1}">
                           <a14:hiddenFill xmlns:a14="http://schemas.microsoft.com/office/drawing/2010/main">
                             <a:solidFill>
                               <a:srgbClr val="FFFFFF"/>
                             </a:solidFill>
                           </a14:hiddenFill>
                         </a:ext>
-                        <a:ext uri="{91240B29-F687-4f45-9708-019B960494DF}">
+                        <a:ext uri="{91240B29-F687-4F45-9708-019B960494DF}">
                           <a14:hiddenLine xmlns:a14="http://schemas.microsoft.com/office/drawing/2010/main" w="9525">
                             <a:solidFill>
                               <a:srgbClr val="000000"/>
@@ -30976,7 +30993,7 @@
                             <a:tailEnd/>
                           </a14:hiddenLine>
                         </a:ext>
-                        <a:ext uri="{AF507438-7753-43e0-B8FC-AC1667EBCBE1}">
+                        <a:ext uri="{AF507438-7753-43E0-B8FC-AC1667EBCBE1}">
                           <a14:hiddenEffects xmlns:a14="http://schemas.microsoft.com/office/drawing/2010/main">
                             <a:effectLst>
                               <a:outerShdw dist="35921" dir="2700000" algn="ctr" rotWithShape="0">
@@ -31129,7 +31146,7 @@
               <a:rPr lang="en-US" smtClean="0">
                 <a:latin typeface="Garamond" charset="0"/>
               </a:rPr>
-              <a:t>5/18/16</a:t>
+              <a:t>5/19/2016</a:t>
             </a:fld>
             <a:endParaRPr lang="en-US">
               <a:latin typeface="Garamond" charset="0"/>
@@ -31341,14 +31358,14 @@
             <a:noFill/>
           </a:ln>
           <a:extLst>
-            <a:ext uri="{909E8E84-426E-40dd-AFC4-6F175D3DCCD1}">
+            <a:ext uri="{909E8E84-426E-40DD-AFC4-6F175D3DCCD1}">
               <a14:hiddenFill xmlns:a14="http://schemas.microsoft.com/office/drawing/2010/main">
                 <a:solidFill>
                   <a:srgbClr val="FFFFFF"/>
                 </a:solidFill>
               </a14:hiddenFill>
             </a:ext>
-            <a:ext uri="{91240B29-F687-4f45-9708-019B960494DF}">
+            <a:ext uri="{91240B29-F687-4F45-9708-019B960494DF}">
               <a14:hiddenLine xmlns:a14="http://schemas.microsoft.com/office/drawing/2010/main" w="9525">
                 <a:solidFill>
                   <a:srgbClr val="000000"/>
@@ -31374,7 +31391,7 @@
   <p:timing>
     <p:tnLst>
       <p:par>
-        <p:cTn xmlns:p14="http://schemas.microsoft.com/office/powerpoint/2010/main" id="1" dur="indefinite" restart="never" nodeType="tmRoot"/>
+        <p:cTn id="1" dur="indefinite" restart="never" nodeType="tmRoot"/>
       </p:par>
     </p:tnLst>
   </p:timing>
@@ -31709,7 +31726,7 @@
               <a:rPr lang="en-US" smtClean="0">
                 <a:latin typeface="Garamond" charset="0"/>
               </a:rPr>
-              <a:t>5/18/16</a:t>
+              <a:t>5/19/2016</a:t>
             </a:fld>
             <a:endParaRPr lang="en-US">
               <a:latin typeface="Garamond" charset="0"/>
@@ -31900,7 +31917,7 @@
   <p:timing>
     <p:tnLst>
       <p:par>
-        <p:cTn xmlns:p14="http://schemas.microsoft.com/office/powerpoint/2010/main" id="1" dur="indefinite" restart="never" nodeType="tmRoot"/>
+        <p:cTn id="1" dur="indefinite" restart="never" nodeType="tmRoot"/>
       </p:par>
     </p:tnLst>
   </p:timing>
@@ -32302,14 +32319,14 @@
           <a:noFill/>
           <a:ln/>
           <a:extLst>
-            <a:ext uri="{909E8E84-426E-40dd-AFC4-6F175D3DCCD1}">
+            <a:ext uri="{909E8E84-426E-40DD-AFC4-6F175D3DCCD1}">
               <a14:hiddenFill xmlns:a14="http://schemas.microsoft.com/office/drawing/2010/main">
                 <a:solidFill>
                   <a:srgbClr val="FFFFFF"/>
                 </a:solidFill>
               </a14:hiddenFill>
             </a:ext>
-            <a:ext uri="{91240B29-F687-4f45-9708-019B960494DF}">
+            <a:ext uri="{91240B29-F687-4F45-9708-019B960494DF}">
               <a14:hiddenLine xmlns:a14="http://schemas.microsoft.com/office/drawing/2010/main" w="9525">
                 <a:solidFill>
                   <a:srgbClr val="000000"/>
@@ -32416,7 +32433,7 @@
               <a:rPr lang="en-US" sz="1200" smtClean="0">
                 <a:latin typeface="Garamond" charset="0"/>
               </a:rPr>
-              <a:t>5/18/16</a:t>
+              <a:t>5/19/2016</a:t>
             </a:fld>
             <a:endParaRPr lang="en-US" sz="1200">
               <a:latin typeface="Garamond" charset="0"/>
@@ -32464,14 +32481,14 @@
           <a:noFill/>
           <a:ln/>
           <a:extLst>
-            <a:ext uri="{909E8E84-426E-40dd-AFC4-6F175D3DCCD1}">
+            <a:ext uri="{909E8E84-426E-40DD-AFC4-6F175D3DCCD1}">
               <a14:hiddenFill xmlns:a14="http://schemas.microsoft.com/office/drawing/2010/main">
                 <a:solidFill>
                   <a:srgbClr val="FFFFFF"/>
                 </a:solidFill>
               </a14:hiddenFill>
             </a:ext>
-            <a:ext uri="{91240B29-F687-4f45-9708-019B960494DF}">
+            <a:ext uri="{91240B29-F687-4F45-9708-019B960494DF}">
               <a14:hiddenLine xmlns:a14="http://schemas.microsoft.com/office/drawing/2010/main" w="9525">
                 <a:solidFill>
                   <a:srgbClr val="000000"/>
@@ -32600,7 +32617,7 @@
   <p:timing>
     <p:tnLst>
       <p:par>
-        <p:cTn xmlns:p14="http://schemas.microsoft.com/office/powerpoint/2010/main" id="1" dur="indefinite" restart="never" nodeType="tmRoot"/>
+        <p:cTn id="1" dur="indefinite" restart="never" nodeType="tmRoot"/>
       </p:par>
     </p:tnLst>
   </p:timing>
@@ -32783,7 +32800,7 @@
               <a:rPr lang="en-US" smtClean="0">
                 <a:latin typeface="Garamond" charset="0"/>
               </a:rPr>
-              <a:t>5/18/16</a:t>
+              <a:t>5/19/2016</a:t>
             </a:fld>
             <a:endParaRPr lang="en-US">
               <a:latin typeface="Garamond" charset="0"/>
@@ -32996,14 +33013,14 @@
           </a:ln>
           <a:effectLst/>
           <a:extLst>
-            <a:ext uri="{909E8E84-426E-40dd-AFC4-6F175D3DCCD1}">
+            <a:ext uri="{909E8E84-426E-40DD-AFC4-6F175D3DCCD1}">
               <a14:hiddenFill xmlns:a14="http://schemas.microsoft.com/office/drawing/2010/main">
                 <a:solidFill>
                   <a:schemeClr val="accent1"/>
                 </a:solidFill>
               </a14:hiddenFill>
             </a:ext>
-            <a:ext uri="{91240B29-F687-4f45-9708-019B960494DF}">
+            <a:ext uri="{91240B29-F687-4F45-9708-019B960494DF}">
               <a14:hiddenLine xmlns:a14="http://schemas.microsoft.com/office/drawing/2010/main" w="9525">
                 <a:solidFill>
                   <a:schemeClr val="tx1"/>
@@ -33013,7 +33030,7 @@
                 <a:tailEnd/>
               </a14:hiddenLine>
             </a:ext>
-            <a:ext uri="{AF507438-7753-43e0-B8FC-AC1667EBCBE1}">
+            <a:ext uri="{AF507438-7753-43E0-B8FC-AC1667EBCBE1}">
               <a14:hiddenEffects xmlns:a14="http://schemas.microsoft.com/office/drawing/2010/main">
                 <a:effectLst>
                   <a:outerShdw blurRad="63500" dist="38099" dir="2700000" algn="ctr" rotWithShape="0">
@@ -33040,7 +33057,7 @@
   <p:timing>
     <p:tnLst>
       <p:par>
-        <p:cTn xmlns:p14="http://schemas.microsoft.com/office/powerpoint/2010/main" id="1" dur="indefinite" restart="never" nodeType="tmRoot"/>
+        <p:cTn id="1" dur="indefinite" restart="never" nodeType="tmRoot"/>
       </p:par>
     </p:tnLst>
   </p:timing>
@@ -33428,7 +33445,7 @@
               <a:rPr lang="en-US" smtClean="0">
                 <a:latin typeface="Garamond" charset="0"/>
               </a:rPr>
-              <a:t>5/18/16</a:t>
+              <a:t>5/19/2016</a:t>
             </a:fld>
             <a:endParaRPr lang="en-US">
               <a:latin typeface="Garamond" charset="0"/>
@@ -33619,7 +33636,7 @@
   <p:timing>
     <p:tnLst>
       <p:par>
-        <p:cTn xmlns:p14="http://schemas.microsoft.com/office/powerpoint/2010/main" id="1" dur="indefinite" restart="never" nodeType="tmRoot"/>
+        <p:cTn id="1" dur="indefinite" restart="never" nodeType="tmRoot"/>
       </p:par>
     </p:tnLst>
   </p:timing>
@@ -33967,7 +33984,7 @@
               <a:rPr lang="en-US" smtClean="0">
                 <a:latin typeface="Garamond" charset="0"/>
               </a:rPr>
-              <a:t>5/18/16</a:t>
+              <a:t>5/19/2016</a:t>
             </a:fld>
             <a:endParaRPr lang="en-US">
               <a:latin typeface="Garamond" charset="0"/>
@@ -34158,7 +34175,7 @@
   <p:timing>
     <p:tnLst>
       <p:par>
-        <p:cTn xmlns:p14="http://schemas.microsoft.com/office/powerpoint/2010/main" id="1" dur="indefinite" restart="never" nodeType="tmRoot"/>
+        <p:cTn id="1" dur="indefinite" restart="never" nodeType="tmRoot"/>
       </p:par>
     </p:tnLst>
   </p:timing>
@@ -34460,7 +34477,7 @@
               <a:rPr lang="en-US" smtClean="0">
                 <a:latin typeface="Garamond" charset="0"/>
               </a:rPr>
-              <a:t>5/18/16</a:t>
+              <a:t>5/19/2016</a:t>
             </a:fld>
             <a:endParaRPr lang="en-US">
               <a:latin typeface="Garamond" charset="0"/>
@@ -34651,7 +34668,7 @@
   <p:timing>
     <p:tnLst>
       <p:par>
-        <p:cTn xmlns:p14="http://schemas.microsoft.com/office/powerpoint/2010/main" id="1" dur="indefinite" restart="never" nodeType="tmRoot"/>
+        <p:cTn id="1" dur="indefinite" restart="never" nodeType="tmRoot"/>
       </p:par>
     </p:tnLst>
   </p:timing>
@@ -34934,7 +34951,7 @@
               <a:rPr lang="en-US" smtClean="0">
                 <a:latin typeface="Garamond" charset="0"/>
               </a:rPr>
-              <a:t>5/18/16</a:t>
+              <a:t>5/19/2016</a:t>
             </a:fld>
             <a:endParaRPr lang="en-US">
               <a:latin typeface="Garamond" charset="0"/>
@@ -35120,7 +35137,7 @@
   <p:timing>
     <p:tnLst>
       <p:par>
-        <p:cTn xmlns:p14="http://schemas.microsoft.com/office/powerpoint/2010/main" id="1" dur="indefinite" restart="never" nodeType="tmRoot"/>
+        <p:cTn id="1" dur="indefinite" restart="never" nodeType="tmRoot"/>
       </p:par>
     </p:tnLst>
   </p:timing>
@@ -35374,7 +35391,7 @@
               <a:rPr lang="en-US" smtClean="0">
                 <a:latin typeface="Garamond" charset="0"/>
               </a:rPr>
-              <a:t>5/18/16</a:t>
+              <a:t>5/19/2016</a:t>
             </a:fld>
             <a:endParaRPr lang="en-US">
               <a:latin typeface="Garamond" charset="0"/>
@@ -35578,7 +35595,7 @@
             <a:tailEnd/>
           </a:ln>
           <a:extLst>
-            <a:ext uri="{909E8E84-426E-40dd-AFC4-6F175D3DCCD1}">
+            <a:ext uri="{909E8E84-426E-40DD-AFC4-6F175D3DCCD1}">
               <a14:hiddenFill xmlns:a14="http://schemas.microsoft.com/office/drawing/2010/main">
                 <a:solidFill>
                   <a:srgbClr val="FFFFFF"/>
@@ -35625,7 +35642,7 @@
             <a:tailEnd type="triangle" w="med" len="med"/>
           </a:ln>
           <a:extLst>
-            <a:ext uri="{909E8E84-426E-40dd-AFC4-6F175D3DCCD1}">
+            <a:ext uri="{909E8E84-426E-40DD-AFC4-6F175D3DCCD1}">
               <a14:hiddenFill xmlns:a14="http://schemas.microsoft.com/office/drawing/2010/main">
                 <a:noFill/>
               </a14:hiddenFill>
@@ -35666,7 +35683,7 @@
             <a:tailEnd type="triangle" w="med" len="med"/>
           </a:ln>
           <a:extLst>
-            <a:ext uri="{909E8E84-426E-40dd-AFC4-6F175D3DCCD1}">
+            <a:ext uri="{909E8E84-426E-40DD-AFC4-6F175D3DCCD1}">
               <a14:hiddenFill xmlns:a14="http://schemas.microsoft.com/office/drawing/2010/main">
                 <a:noFill/>
               </a14:hiddenFill>
@@ -35702,14 +35719,14 @@
             <a:noFill/>
           </a:ln>
           <a:extLst>
-            <a:ext uri="{909E8E84-426E-40dd-AFC4-6F175D3DCCD1}">
+            <a:ext uri="{909E8E84-426E-40DD-AFC4-6F175D3DCCD1}">
               <a14:hiddenFill xmlns:a14="http://schemas.microsoft.com/office/drawing/2010/main">
                 <a:solidFill>
                   <a:srgbClr val="FFFFFF"/>
                 </a:solidFill>
               </a14:hiddenFill>
             </a:ext>
-            <a:ext uri="{91240B29-F687-4f45-9708-019B960494DF}">
+            <a:ext uri="{91240B29-F687-4F45-9708-019B960494DF}">
               <a14:hiddenLine xmlns:a14="http://schemas.microsoft.com/office/drawing/2010/main" w="9525">
                 <a:solidFill>
                   <a:srgbClr val="000000"/>
@@ -35846,14 +35863,14 @@
             <a:noFill/>
           </a:ln>
           <a:extLst>
-            <a:ext uri="{909E8E84-426E-40dd-AFC4-6F175D3DCCD1}">
+            <a:ext uri="{909E8E84-426E-40DD-AFC4-6F175D3DCCD1}">
               <a14:hiddenFill xmlns:a14="http://schemas.microsoft.com/office/drawing/2010/main">
                 <a:solidFill>
                   <a:srgbClr val="FFFFFF"/>
                 </a:solidFill>
               </a14:hiddenFill>
             </a:ext>
-            <a:ext uri="{91240B29-F687-4f45-9708-019B960494DF}">
+            <a:ext uri="{91240B29-F687-4F45-9708-019B960494DF}">
               <a14:hiddenLine xmlns:a14="http://schemas.microsoft.com/office/drawing/2010/main" w="9525">
                 <a:solidFill>
                   <a:srgbClr val="000000"/>
@@ -35995,7 +36012,7 @@
             <a:tailEnd/>
           </a:ln>
           <a:extLst>
-            <a:ext uri="{909E8E84-426E-40dd-AFC4-6F175D3DCCD1}">
+            <a:ext uri="{909E8E84-426E-40DD-AFC4-6F175D3DCCD1}">
               <a14:hiddenFill xmlns:a14="http://schemas.microsoft.com/office/drawing/2010/main">
                 <a:solidFill>
                   <a:srgbClr val="FFFFFF"/>
@@ -36042,7 +36059,7 @@
             <a:tailEnd type="triangle" w="med" len="med"/>
           </a:ln>
           <a:extLst>
-            <a:ext uri="{909E8E84-426E-40dd-AFC4-6F175D3DCCD1}">
+            <a:ext uri="{909E8E84-426E-40DD-AFC4-6F175D3DCCD1}">
               <a14:hiddenFill xmlns:a14="http://schemas.microsoft.com/office/drawing/2010/main">
                 <a:noFill/>
               </a14:hiddenFill>
@@ -36078,14 +36095,14 @@
             <a:noFill/>
           </a:ln>
           <a:extLst>
-            <a:ext uri="{909E8E84-426E-40dd-AFC4-6F175D3DCCD1}">
+            <a:ext uri="{909E8E84-426E-40DD-AFC4-6F175D3DCCD1}">
               <a14:hiddenFill xmlns:a14="http://schemas.microsoft.com/office/drawing/2010/main">
                 <a:solidFill>
                   <a:srgbClr val="FFFFFF"/>
                 </a:solidFill>
               </a14:hiddenFill>
             </a:ext>
-            <a:ext uri="{91240B29-F687-4f45-9708-019B960494DF}">
+            <a:ext uri="{91240B29-F687-4F45-9708-019B960494DF}">
               <a14:hiddenLine xmlns:a14="http://schemas.microsoft.com/office/drawing/2010/main" w="9525">
                 <a:solidFill>
                   <a:srgbClr val="000000"/>
@@ -36222,14 +36239,14 @@
             <a:noFill/>
           </a:ln>
           <a:extLst>
-            <a:ext uri="{909E8E84-426E-40dd-AFC4-6F175D3DCCD1}">
+            <a:ext uri="{909E8E84-426E-40DD-AFC4-6F175D3DCCD1}">
               <a14:hiddenFill xmlns:a14="http://schemas.microsoft.com/office/drawing/2010/main">
                 <a:solidFill>
                   <a:srgbClr val="FFFFFF"/>
                 </a:solidFill>
               </a14:hiddenFill>
             </a:ext>
-            <a:ext uri="{91240B29-F687-4f45-9708-019B960494DF}">
+            <a:ext uri="{91240B29-F687-4F45-9708-019B960494DF}">
               <a14:hiddenLine xmlns:a14="http://schemas.microsoft.com/office/drawing/2010/main" w="9525">
                 <a:solidFill>
                   <a:srgbClr val="000000"/>
@@ -36371,7 +36388,7 @@
             <a:tailEnd/>
           </a:ln>
           <a:extLst>
-            <a:ext uri="{909E8E84-426E-40dd-AFC4-6F175D3DCCD1}">
+            <a:ext uri="{909E8E84-426E-40DD-AFC4-6F175D3DCCD1}">
               <a14:hiddenFill xmlns:a14="http://schemas.microsoft.com/office/drawing/2010/main">
                 <a:solidFill>
                   <a:srgbClr val="FFFFFF"/>
@@ -36565,7 +36582,7 @@
   <p:timing>
     <p:tnLst>
       <p:par>
-        <p:cTn xmlns:p14="http://schemas.microsoft.com/office/powerpoint/2010/main" id="1" dur="indefinite" restart="never" nodeType="tmRoot"/>
+        <p:cTn id="1" dur="indefinite" restart="never" nodeType="tmRoot"/>
       </p:par>
     </p:tnLst>
   </p:timing>
@@ -36781,7 +36798,7 @@
               <a:rPr lang="en-US" smtClean="0">
                 <a:latin typeface="Garamond" charset="0"/>
               </a:rPr>
-              <a:t>5/18/16</a:t>
+              <a:t>5/19/2016</a:t>
             </a:fld>
             <a:endParaRPr lang="en-US">
               <a:latin typeface="Garamond" charset="0"/>
@@ -36985,7 +37002,7 @@
             <a:tailEnd/>
           </a:ln>
           <a:extLst>
-            <a:ext uri="{909E8E84-426E-40dd-AFC4-6F175D3DCCD1}">
+            <a:ext uri="{909E8E84-426E-40DD-AFC4-6F175D3DCCD1}">
               <a14:hiddenFill xmlns:a14="http://schemas.microsoft.com/office/drawing/2010/main">
                 <a:solidFill>
                   <a:srgbClr val="FFFFFF"/>
@@ -37027,14 +37044,14 @@
             <a:noFill/>
           </a:ln>
           <a:extLst>
-            <a:ext uri="{909E8E84-426E-40dd-AFC4-6F175D3DCCD1}">
+            <a:ext uri="{909E8E84-426E-40DD-AFC4-6F175D3DCCD1}">
               <a14:hiddenFill xmlns:a14="http://schemas.microsoft.com/office/drawing/2010/main">
                 <a:solidFill>
                   <a:srgbClr val="FFFFFF"/>
                 </a:solidFill>
               </a14:hiddenFill>
             </a:ext>
-            <a:ext uri="{91240B29-F687-4f45-9708-019B960494DF}">
+            <a:ext uri="{91240B29-F687-4F45-9708-019B960494DF}">
               <a14:hiddenLine xmlns:a14="http://schemas.microsoft.com/office/drawing/2010/main" w="9525">
                 <a:solidFill>
                   <a:srgbClr val="000000"/>
@@ -37171,14 +37188,14 @@
             <a:noFill/>
           </a:ln>
           <a:extLst>
-            <a:ext uri="{909E8E84-426E-40dd-AFC4-6F175D3DCCD1}">
+            <a:ext uri="{909E8E84-426E-40DD-AFC4-6F175D3DCCD1}">
               <a14:hiddenFill xmlns:a14="http://schemas.microsoft.com/office/drawing/2010/main">
                 <a:solidFill>
                   <a:srgbClr val="FFFFFF"/>
                 </a:solidFill>
               </a14:hiddenFill>
             </a:ext>
-            <a:ext uri="{91240B29-F687-4f45-9708-019B960494DF}">
+            <a:ext uri="{91240B29-F687-4F45-9708-019B960494DF}">
               <a14:hiddenLine xmlns:a14="http://schemas.microsoft.com/office/drawing/2010/main" w="9525">
                 <a:solidFill>
                   <a:srgbClr val="000000"/>
@@ -37320,7 +37337,7 @@
             <a:tailEnd/>
           </a:ln>
           <a:extLst>
-            <a:ext uri="{909E8E84-426E-40dd-AFC4-6F175D3DCCD1}">
+            <a:ext uri="{909E8E84-426E-40DD-AFC4-6F175D3DCCD1}">
               <a14:hiddenFill xmlns:a14="http://schemas.microsoft.com/office/drawing/2010/main">
                 <a:solidFill>
                   <a:srgbClr val="FFFFFF"/>
@@ -37532,7 +37549,7 @@
             <a:tailEnd/>
           </a:ln>
           <a:extLst>
-            <a:ext uri="{909E8E84-426E-40dd-AFC4-6F175D3DCCD1}">
+            <a:ext uri="{909E8E84-426E-40DD-AFC4-6F175D3DCCD1}">
               <a14:hiddenFill xmlns:a14="http://schemas.microsoft.com/office/drawing/2010/main">
                 <a:solidFill>
                   <a:srgbClr val="FFFFFF"/>
@@ -37725,7 +37742,7 @@
   <p:timing>
     <p:tnLst>
       <p:par>
-        <p:cTn xmlns:p14="http://schemas.microsoft.com/office/powerpoint/2010/main" id="1" dur="indefinite" restart="never" nodeType="tmRoot"/>
+        <p:cTn id="1" dur="indefinite" restart="never" nodeType="tmRoot"/>
       </p:par>
     </p:tnLst>
   </p:timing>
@@ -37941,7 +37958,7 @@
               <a:rPr lang="en-US" smtClean="0">
                 <a:latin typeface="Garamond" charset="0"/>
               </a:rPr>
-              <a:t>5/18/16</a:t>
+              <a:t>5/19/2016</a:t>
             </a:fld>
             <a:endParaRPr lang="en-US">
               <a:latin typeface="Garamond" charset="0"/>
@@ -38145,7 +38162,7 @@
             <a:tailEnd/>
           </a:ln>
           <a:extLst>
-            <a:ext uri="{909E8E84-426E-40dd-AFC4-6F175D3DCCD1}">
+            <a:ext uri="{909E8E84-426E-40DD-AFC4-6F175D3DCCD1}">
               <a14:hiddenFill xmlns:a14="http://schemas.microsoft.com/office/drawing/2010/main">
                 <a:solidFill>
                   <a:srgbClr val="FFFFFF"/>
@@ -38187,14 +38204,14 @@
             <a:noFill/>
           </a:ln>
           <a:extLst>
-            <a:ext uri="{909E8E84-426E-40dd-AFC4-6F175D3DCCD1}">
+            <a:ext uri="{909E8E84-426E-40DD-AFC4-6F175D3DCCD1}">
               <a14:hiddenFill xmlns:a14="http://schemas.microsoft.com/office/drawing/2010/main">
                 <a:solidFill>
                   <a:srgbClr val="FFFFFF"/>
                 </a:solidFill>
               </a14:hiddenFill>
             </a:ext>
-            <a:ext uri="{91240B29-F687-4f45-9708-019B960494DF}">
+            <a:ext uri="{91240B29-F687-4F45-9708-019B960494DF}">
               <a14:hiddenLine xmlns:a14="http://schemas.microsoft.com/office/drawing/2010/main" w="9525">
                 <a:solidFill>
                   <a:srgbClr val="000000"/>
@@ -38331,14 +38348,14 @@
             <a:noFill/>
           </a:ln>
           <a:extLst>
-            <a:ext uri="{909E8E84-426E-40dd-AFC4-6F175D3DCCD1}">
+            <a:ext uri="{909E8E84-426E-40DD-AFC4-6F175D3DCCD1}">
               <a14:hiddenFill xmlns:a14="http://schemas.microsoft.com/office/drawing/2010/main">
                 <a:solidFill>
                   <a:srgbClr val="FFFFFF"/>
                 </a:solidFill>
               </a14:hiddenFill>
             </a:ext>
-            <a:ext uri="{91240B29-F687-4f45-9708-019B960494DF}">
+            <a:ext uri="{91240B29-F687-4F45-9708-019B960494DF}">
               <a14:hiddenLine xmlns:a14="http://schemas.microsoft.com/office/drawing/2010/main" w="9525">
                 <a:solidFill>
                   <a:srgbClr val="000000"/>
@@ -38480,7 +38497,7 @@
             <a:tailEnd/>
           </a:ln>
           <a:extLst>
-            <a:ext uri="{909E8E84-426E-40dd-AFC4-6F175D3DCCD1}">
+            <a:ext uri="{909E8E84-426E-40DD-AFC4-6F175D3DCCD1}">
               <a14:hiddenFill xmlns:a14="http://schemas.microsoft.com/office/drawing/2010/main">
                 <a:solidFill>
                   <a:srgbClr val="FFFFFF"/>
@@ -38692,7 +38709,7 @@
             <a:tailEnd/>
           </a:ln>
           <a:extLst>
-            <a:ext uri="{909E8E84-426E-40dd-AFC4-6F175D3DCCD1}">
+            <a:ext uri="{909E8E84-426E-40DD-AFC4-6F175D3DCCD1}">
               <a14:hiddenFill xmlns:a14="http://schemas.microsoft.com/office/drawing/2010/main">
                 <a:solidFill>
                   <a:srgbClr val="FFFFFF"/>
@@ -38865,7 +38882,7 @@
             <a:tailEnd/>
           </a:ln>
           <a:extLst>
-            <a:ext uri="{909E8E84-426E-40dd-AFC4-6F175D3DCCD1}">
+            <a:ext uri="{909E8E84-426E-40DD-AFC4-6F175D3DCCD1}">
               <a14:hiddenFill xmlns:a14="http://schemas.microsoft.com/office/drawing/2010/main">
                 <a:solidFill>
                   <a:srgbClr val="FFFFFF"/>
@@ -38907,14 +38924,14 @@
             <a:noFill/>
           </a:ln>
           <a:extLst>
-            <a:ext uri="{909E8E84-426E-40dd-AFC4-6F175D3DCCD1}">
+            <a:ext uri="{909E8E84-426E-40DD-AFC4-6F175D3DCCD1}">
               <a14:hiddenFill xmlns:a14="http://schemas.microsoft.com/office/drawing/2010/main">
                 <a:solidFill>
                   <a:srgbClr val="FFFFFF"/>
                 </a:solidFill>
               </a14:hiddenFill>
             </a:ext>
-            <a:ext uri="{91240B29-F687-4f45-9708-019B960494DF}">
+            <a:ext uri="{91240B29-F687-4F45-9708-019B960494DF}">
               <a14:hiddenLine xmlns:a14="http://schemas.microsoft.com/office/drawing/2010/main" w="9525">
                 <a:solidFill>
                   <a:srgbClr val="000000"/>
@@ -39051,14 +39068,14 @@
             <a:noFill/>
           </a:ln>
           <a:extLst>
-            <a:ext uri="{909E8E84-426E-40dd-AFC4-6F175D3DCCD1}">
+            <a:ext uri="{909E8E84-426E-40DD-AFC4-6F175D3DCCD1}">
               <a14:hiddenFill xmlns:a14="http://schemas.microsoft.com/office/drawing/2010/main">
                 <a:solidFill>
                   <a:srgbClr val="FFFFFF"/>
                 </a:solidFill>
               </a14:hiddenFill>
             </a:ext>
-            <a:ext uri="{91240B29-F687-4f45-9708-019B960494DF}">
+            <a:ext uri="{91240B29-F687-4F45-9708-019B960494DF}">
               <a14:hiddenLine xmlns:a14="http://schemas.microsoft.com/office/drawing/2010/main" w="9525">
                 <a:solidFill>
                   <a:srgbClr val="000000"/>
@@ -39312,7 +39329,7 @@
             <a:tailEnd/>
           </a:ln>
           <a:extLst>
-            <a:ext uri="{909E8E84-426E-40dd-AFC4-6F175D3DCCD1}">
+            <a:ext uri="{909E8E84-426E-40DD-AFC4-6F175D3DCCD1}">
               <a14:hiddenFill xmlns:a14="http://schemas.microsoft.com/office/drawing/2010/main">
                 <a:solidFill>
                   <a:srgbClr val="FFFFFF"/>
@@ -39468,7 +39485,7 @@
   <p:timing>
     <p:tnLst>
       <p:par>
-        <p:cTn xmlns:p14="http://schemas.microsoft.com/office/powerpoint/2010/main" id="1" dur="indefinite" restart="never" nodeType="tmRoot"/>
+        <p:cTn id="1" dur="indefinite" restart="never" nodeType="tmRoot"/>
       </p:par>
     </p:tnLst>
   </p:timing>
@@ -39536,7 +39553,7 @@
         <p:spPr/>
         <p:txBody>
           <a:bodyPr>
-            <a:normAutofit fontScale="92500"/>
+            <a:normAutofit lnSpcReduction="10000"/>
           </a:bodyPr>
           <a:lstStyle/>
           <a:p>
@@ -39865,7 +39882,7 @@
               <a:rPr lang="en-US" smtClean="0">
                 <a:latin typeface="Garamond" charset="0"/>
               </a:rPr>
-              <a:t>5/18/16</a:t>
+              <a:t>5/19/2016</a:t>
             </a:fld>
             <a:endParaRPr lang="en-US">
               <a:latin typeface="Garamond" charset="0"/>
@@ -40051,7 +40068,7 @@
   <p:timing>
     <p:tnLst>
       <p:par>
-        <p:cTn xmlns:p14="http://schemas.microsoft.com/office/powerpoint/2010/main" id="1" dur="indefinite" restart="never" nodeType="tmRoot"/>
+        <p:cTn id="1" dur="indefinite" restart="never" nodeType="tmRoot"/>
       </p:par>
     </p:tnLst>
   </p:timing>
@@ -40388,7 +40405,7 @@
               <a:rPr lang="en-US" smtClean="0">
                 <a:latin typeface="Garamond" charset="0"/>
               </a:rPr>
-              <a:t>5/18/16</a:t>
+              <a:t>5/19/2016</a:t>
             </a:fld>
             <a:endParaRPr lang="en-US">
               <a:latin typeface="Garamond" charset="0"/>
@@ -40574,7 +40591,7 @@
   <p:timing>
     <p:tnLst>
       <p:par>
-        <p:cTn xmlns:p14="http://schemas.microsoft.com/office/powerpoint/2010/main" id="1" dur="indefinite" restart="never" nodeType="tmRoot"/>
+        <p:cTn id="1" dur="indefinite" restart="never" nodeType="tmRoot"/>
       </p:par>
     </p:tnLst>
   </p:timing>
